--- a/과제4/과제 4.pptx
+++ b/과제4/과제 4.pptx
@@ -6,11 +6,17 @@
   </p:sldMasterIdLst>
   <p:sldIdLst>
     <p:sldId id="256" r:id="rId2"/>
-    <p:sldId id="257" r:id="rId3"/>
-    <p:sldId id="258" r:id="rId4"/>
-    <p:sldId id="260" r:id="rId5"/>
-    <p:sldId id="259" r:id="rId6"/>
-    <p:sldId id="261" r:id="rId7"/>
+    <p:sldId id="261" r:id="rId3"/>
+    <p:sldId id="257" r:id="rId4"/>
+    <p:sldId id="258" r:id="rId5"/>
+    <p:sldId id="260" r:id="rId6"/>
+    <p:sldId id="259" r:id="rId7"/>
+    <p:sldId id="263" r:id="rId8"/>
+    <p:sldId id="264" r:id="rId9"/>
+    <p:sldId id="265" r:id="rId10"/>
+    <p:sldId id="266" r:id="rId11"/>
+    <p:sldId id="267" r:id="rId12"/>
+    <p:sldId id="262" r:id="rId13"/>
   </p:sldIdLst>
   <p:sldSz cx="12192000" cy="6858000"/>
   <p:notesSz cx="6858000" cy="9144000"/>
@@ -200,35 +206,35 @@
               <a:buNone/>
               <a:defRPr sz="2400"/>
             </a:lvl1pPr>
-            <a:lvl2pPr marL="457200" indent="0" algn="ctr">
+            <a:lvl2pPr marL="457206" indent="0" algn="ctr">
               <a:buNone/>
               <a:defRPr sz="2000"/>
             </a:lvl2pPr>
-            <a:lvl3pPr marL="914400" indent="0" algn="ctr">
+            <a:lvl3pPr marL="914411" indent="0" algn="ctr">
               <a:buNone/>
-              <a:defRPr sz="1800"/>
+              <a:defRPr sz="1801"/>
             </a:lvl3pPr>
-            <a:lvl4pPr marL="1371600" indent="0" algn="ctr">
+            <a:lvl4pPr marL="1371617" indent="0" algn="ctr">
               <a:buNone/>
               <a:defRPr sz="1600"/>
             </a:lvl4pPr>
-            <a:lvl5pPr marL="1828800" indent="0" algn="ctr">
+            <a:lvl5pPr marL="1828823" indent="0" algn="ctr">
               <a:buNone/>
               <a:defRPr sz="1600"/>
             </a:lvl5pPr>
-            <a:lvl6pPr marL="2286000" indent="0" algn="ctr">
+            <a:lvl6pPr marL="2286029" indent="0" algn="ctr">
               <a:buNone/>
               <a:defRPr sz="1600"/>
             </a:lvl6pPr>
-            <a:lvl7pPr marL="2743200" indent="0" algn="ctr">
+            <a:lvl7pPr marL="2743234" indent="0" algn="ctr">
               <a:buNone/>
               <a:defRPr sz="1600"/>
             </a:lvl7pPr>
-            <a:lvl8pPr marL="3200400" indent="0" algn="ctr">
+            <a:lvl8pPr marL="3200440" indent="0" algn="ctr">
               <a:buNone/>
               <a:defRPr sz="1600"/>
             </a:lvl8pPr>
-            <a:lvl9pPr marL="3657600" indent="0" algn="ctr">
+            <a:lvl9pPr marL="3657646" indent="0" algn="ctr">
               <a:buNone/>
               <a:defRPr sz="1600"/>
             </a:lvl9pPr>
@@ -264,7 +270,7 @@
           <a:p>
             <a:fld id="{28D8A1B6-0DDC-46BC-AFC7-95A68A0DFAB7}" type="datetimeFigureOut">
               <a:rPr lang="ko-KR" altLang="en-US" smtClean="0"/>
-              <a:t>2020-11-12</a:t>
+              <a:t>2020-11-13</a:t>
             </a:fld>
             <a:endParaRPr lang="ko-KR" altLang="en-US"/>
           </a:p>
@@ -462,7 +468,7 @@
           <a:p>
             <a:fld id="{28D8A1B6-0DDC-46BC-AFC7-95A68A0DFAB7}" type="datetimeFigureOut">
               <a:rPr lang="ko-KR" altLang="en-US" smtClean="0"/>
-              <a:t>2020-11-12</a:t>
+              <a:t>2020-11-13</a:t>
             </a:fld>
             <a:endParaRPr lang="ko-KR" altLang="en-US"/>
           </a:p>
@@ -570,7 +576,7 @@
         </p:nvSpPr>
         <p:spPr>
           <a:xfrm>
-            <a:off x="8724900" y="365125"/>
+            <a:off x="8724899" y="365125"/>
             <a:ext cx="2628900" cy="5811838"/>
           </a:xfrm>
         </p:spPr>
@@ -603,7 +609,7 @@
         </p:nvSpPr>
         <p:spPr>
           <a:xfrm>
-            <a:off x="838200" y="365125"/>
+            <a:off x="838199" y="365125"/>
             <a:ext cx="7734300" cy="5811838"/>
           </a:xfrm>
         </p:spPr>
@@ -670,7 +676,7 @@
           <a:p>
             <a:fld id="{28D8A1B6-0DDC-46BC-AFC7-95A68A0DFAB7}" type="datetimeFigureOut">
               <a:rPr lang="ko-KR" altLang="en-US" smtClean="0"/>
-              <a:t>2020-11-12</a:t>
+              <a:t>2020-11-13</a:t>
             </a:fld>
             <a:endParaRPr lang="ko-KR" altLang="en-US"/>
           </a:p>
@@ -868,7 +874,7 @@
           <a:p>
             <a:fld id="{28D8A1B6-0DDC-46BC-AFC7-95A68A0DFAB7}" type="datetimeFigureOut">
               <a:rPr lang="ko-KR" altLang="en-US" smtClean="0"/>
-              <a:t>2020-11-12</a:t>
+              <a:t>2020-11-13</a:t>
             </a:fld>
             <a:endParaRPr lang="ko-KR" altLang="en-US"/>
           </a:p>
@@ -976,7 +982,7 @@
         </p:nvSpPr>
         <p:spPr>
           <a:xfrm>
-            <a:off x="831850" y="1709738"/>
+            <a:off x="831852" y="1709738"/>
             <a:ext cx="10515600" cy="2852737"/>
           </a:xfrm>
         </p:spPr>
@@ -1013,7 +1019,7 @@
         </p:nvSpPr>
         <p:spPr>
           <a:xfrm>
-            <a:off x="831850" y="4589463"/>
+            <a:off x="831852" y="4589464"/>
             <a:ext cx="10515600" cy="1500187"/>
           </a:xfrm>
         </p:spPr>
@@ -1030,7 +1036,7 @@
                 </a:solidFill>
               </a:defRPr>
             </a:lvl1pPr>
-            <a:lvl2pPr marL="457200" indent="0">
+            <a:lvl2pPr marL="457206" indent="0">
               <a:buNone/>
               <a:defRPr sz="2000">
                 <a:solidFill>
@@ -1040,9 +1046,9 @@
                 </a:solidFill>
               </a:defRPr>
             </a:lvl2pPr>
-            <a:lvl3pPr marL="914400" indent="0">
+            <a:lvl3pPr marL="914411" indent="0">
               <a:buNone/>
-              <a:defRPr sz="1800">
+              <a:defRPr sz="1801">
                 <a:solidFill>
                   <a:schemeClr val="tx1">
                     <a:tint val="75000"/>
@@ -1050,7 +1056,7 @@
                 </a:solidFill>
               </a:defRPr>
             </a:lvl3pPr>
-            <a:lvl4pPr marL="1371600" indent="0">
+            <a:lvl4pPr marL="1371617" indent="0">
               <a:buNone/>
               <a:defRPr sz="1600">
                 <a:solidFill>
@@ -1060,7 +1066,7 @@
                 </a:solidFill>
               </a:defRPr>
             </a:lvl4pPr>
-            <a:lvl5pPr marL="1828800" indent="0">
+            <a:lvl5pPr marL="1828823" indent="0">
               <a:buNone/>
               <a:defRPr sz="1600">
                 <a:solidFill>
@@ -1070,7 +1076,7 @@
                 </a:solidFill>
               </a:defRPr>
             </a:lvl5pPr>
-            <a:lvl6pPr marL="2286000" indent="0">
+            <a:lvl6pPr marL="2286029" indent="0">
               <a:buNone/>
               <a:defRPr sz="1600">
                 <a:solidFill>
@@ -1080,7 +1086,7 @@
                 </a:solidFill>
               </a:defRPr>
             </a:lvl6pPr>
-            <a:lvl7pPr marL="2743200" indent="0">
+            <a:lvl7pPr marL="2743234" indent="0">
               <a:buNone/>
               <a:defRPr sz="1600">
                 <a:solidFill>
@@ -1090,7 +1096,7 @@
                 </a:solidFill>
               </a:defRPr>
             </a:lvl7pPr>
-            <a:lvl8pPr marL="3200400" indent="0">
+            <a:lvl8pPr marL="3200440" indent="0">
               <a:buNone/>
               <a:defRPr sz="1600">
                 <a:solidFill>
@@ -1100,7 +1106,7 @@
                 </a:solidFill>
               </a:defRPr>
             </a:lvl8pPr>
-            <a:lvl9pPr marL="3657600" indent="0">
+            <a:lvl9pPr marL="3657646" indent="0">
               <a:buNone/>
               <a:defRPr sz="1600">
                 <a:solidFill>
@@ -1143,7 +1149,7 @@
           <a:p>
             <a:fld id="{28D8A1B6-0DDC-46BC-AFC7-95A68A0DFAB7}" type="datetimeFigureOut">
               <a:rPr lang="ko-KR" altLang="en-US" smtClean="0"/>
-              <a:t>2020-11-12</a:t>
+              <a:t>2020-11-13</a:t>
             </a:fld>
             <a:endParaRPr lang="ko-KR" altLang="en-US"/>
           </a:p>
@@ -1279,7 +1285,7 @@
         </p:nvSpPr>
         <p:spPr>
           <a:xfrm>
-            <a:off x="838200" y="1825625"/>
+            <a:off x="838201" y="1825625"/>
             <a:ext cx="5181600" cy="4351338"/>
           </a:xfrm>
         </p:spPr>
@@ -1341,7 +1347,7 @@
         </p:nvSpPr>
         <p:spPr>
           <a:xfrm>
-            <a:off x="6172200" y="1825625"/>
+            <a:off x="6172201" y="1825625"/>
             <a:ext cx="5181600" cy="4351338"/>
           </a:xfrm>
         </p:spPr>
@@ -1408,7 +1414,7 @@
           <a:p>
             <a:fld id="{28D8A1B6-0DDC-46BC-AFC7-95A68A0DFAB7}" type="datetimeFigureOut">
               <a:rPr lang="ko-KR" altLang="en-US" smtClean="0"/>
-              <a:t>2020-11-12</a:t>
+              <a:t>2020-11-13</a:t>
             </a:fld>
             <a:endParaRPr lang="ko-KR" altLang="en-US"/>
           </a:p>
@@ -1516,7 +1522,7 @@
         </p:nvSpPr>
         <p:spPr>
           <a:xfrm>
-            <a:off x="839788" y="365125"/>
+            <a:off x="839789" y="365126"/>
             <a:ext cx="10515600" cy="1325563"/>
           </a:xfrm>
         </p:spPr>
@@ -1549,7 +1555,7 @@
         </p:nvSpPr>
         <p:spPr>
           <a:xfrm>
-            <a:off x="839788" y="1681163"/>
+            <a:off x="839789" y="1681164"/>
             <a:ext cx="5157787" cy="823912"/>
           </a:xfrm>
         </p:spPr>
@@ -1560,35 +1566,35 @@
               <a:buNone/>
               <a:defRPr sz="2400" b="1"/>
             </a:lvl1pPr>
-            <a:lvl2pPr marL="457200" indent="0">
+            <a:lvl2pPr marL="457206" indent="0">
               <a:buNone/>
               <a:defRPr sz="2000" b="1"/>
             </a:lvl2pPr>
-            <a:lvl3pPr marL="914400" indent="0">
+            <a:lvl3pPr marL="914411" indent="0">
               <a:buNone/>
-              <a:defRPr sz="1800" b="1"/>
+              <a:defRPr sz="1801" b="1"/>
             </a:lvl3pPr>
-            <a:lvl4pPr marL="1371600" indent="0">
+            <a:lvl4pPr marL="1371617" indent="0">
               <a:buNone/>
               <a:defRPr sz="1600" b="1"/>
             </a:lvl4pPr>
-            <a:lvl5pPr marL="1828800" indent="0">
+            <a:lvl5pPr marL="1828823" indent="0">
               <a:buNone/>
               <a:defRPr sz="1600" b="1"/>
             </a:lvl5pPr>
-            <a:lvl6pPr marL="2286000" indent="0">
+            <a:lvl6pPr marL="2286029" indent="0">
               <a:buNone/>
               <a:defRPr sz="1600" b="1"/>
             </a:lvl6pPr>
-            <a:lvl7pPr marL="2743200" indent="0">
+            <a:lvl7pPr marL="2743234" indent="0">
               <a:buNone/>
               <a:defRPr sz="1600" b="1"/>
             </a:lvl7pPr>
-            <a:lvl8pPr marL="3200400" indent="0">
+            <a:lvl8pPr marL="3200440" indent="0">
               <a:buNone/>
               <a:defRPr sz="1600" b="1"/>
             </a:lvl8pPr>
-            <a:lvl9pPr marL="3657600" indent="0">
+            <a:lvl9pPr marL="3657646" indent="0">
               <a:buNone/>
               <a:defRPr sz="1600" b="1"/>
             </a:lvl9pPr>
@@ -1620,7 +1626,7 @@
         </p:nvSpPr>
         <p:spPr>
           <a:xfrm>
-            <a:off x="839788" y="2505075"/>
+            <a:off x="839789" y="2505076"/>
             <a:ext cx="5157787" cy="3684588"/>
           </a:xfrm>
         </p:spPr>
@@ -1682,7 +1688,7 @@
         </p:nvSpPr>
         <p:spPr>
           <a:xfrm>
-            <a:off x="6172200" y="1681163"/>
+            <a:off x="6172202" y="1681164"/>
             <a:ext cx="5183188" cy="823912"/>
           </a:xfrm>
         </p:spPr>
@@ -1693,35 +1699,35 @@
               <a:buNone/>
               <a:defRPr sz="2400" b="1"/>
             </a:lvl1pPr>
-            <a:lvl2pPr marL="457200" indent="0">
+            <a:lvl2pPr marL="457206" indent="0">
               <a:buNone/>
               <a:defRPr sz="2000" b="1"/>
             </a:lvl2pPr>
-            <a:lvl3pPr marL="914400" indent="0">
+            <a:lvl3pPr marL="914411" indent="0">
               <a:buNone/>
-              <a:defRPr sz="1800" b="1"/>
+              <a:defRPr sz="1801" b="1"/>
             </a:lvl3pPr>
-            <a:lvl4pPr marL="1371600" indent="0">
+            <a:lvl4pPr marL="1371617" indent="0">
               <a:buNone/>
               <a:defRPr sz="1600" b="1"/>
             </a:lvl4pPr>
-            <a:lvl5pPr marL="1828800" indent="0">
+            <a:lvl5pPr marL="1828823" indent="0">
               <a:buNone/>
               <a:defRPr sz="1600" b="1"/>
             </a:lvl5pPr>
-            <a:lvl6pPr marL="2286000" indent="0">
+            <a:lvl6pPr marL="2286029" indent="0">
               <a:buNone/>
               <a:defRPr sz="1600" b="1"/>
             </a:lvl6pPr>
-            <a:lvl7pPr marL="2743200" indent="0">
+            <a:lvl7pPr marL="2743234" indent="0">
               <a:buNone/>
               <a:defRPr sz="1600" b="1"/>
             </a:lvl7pPr>
-            <a:lvl8pPr marL="3200400" indent="0">
+            <a:lvl8pPr marL="3200440" indent="0">
               <a:buNone/>
               <a:defRPr sz="1600" b="1"/>
             </a:lvl8pPr>
-            <a:lvl9pPr marL="3657600" indent="0">
+            <a:lvl9pPr marL="3657646" indent="0">
               <a:buNone/>
               <a:defRPr sz="1600" b="1"/>
             </a:lvl9pPr>
@@ -1753,7 +1759,7 @@
         </p:nvSpPr>
         <p:spPr>
           <a:xfrm>
-            <a:off x="6172200" y="2505075"/>
+            <a:off x="6172202" y="2505076"/>
             <a:ext cx="5183188" cy="3684588"/>
           </a:xfrm>
         </p:spPr>
@@ -1820,7 +1826,7 @@
           <a:p>
             <a:fld id="{28D8A1B6-0DDC-46BC-AFC7-95A68A0DFAB7}" type="datetimeFigureOut">
               <a:rPr lang="ko-KR" altLang="en-US" smtClean="0"/>
-              <a:t>2020-11-12</a:t>
+              <a:t>2020-11-13</a:t>
             </a:fld>
             <a:endParaRPr lang="ko-KR" altLang="en-US"/>
           </a:p>
@@ -1961,7 +1967,7 @@
           <a:p>
             <a:fld id="{28D8A1B6-0DDC-46BC-AFC7-95A68A0DFAB7}" type="datetimeFigureOut">
               <a:rPr lang="ko-KR" altLang="en-US" smtClean="0"/>
-              <a:t>2020-11-12</a:t>
+              <a:t>2020-11-13</a:t>
             </a:fld>
             <a:endParaRPr lang="ko-KR" altLang="en-US"/>
           </a:p>
@@ -2074,7 +2080,7 @@
           <a:p>
             <a:fld id="{28D8A1B6-0DDC-46BC-AFC7-95A68A0DFAB7}" type="datetimeFigureOut">
               <a:rPr lang="ko-KR" altLang="en-US" smtClean="0"/>
-              <a:t>2020-11-12</a:t>
+              <a:t>2020-11-13</a:t>
             </a:fld>
             <a:endParaRPr lang="ko-KR" altLang="en-US"/>
           </a:p>
@@ -2182,8 +2188,8 @@
         </p:nvSpPr>
         <p:spPr>
           <a:xfrm>
-            <a:off x="839788" y="457200"/>
-            <a:ext cx="3932237" cy="1600200"/>
+            <a:off x="839790" y="457200"/>
+            <a:ext cx="3932236" cy="1600200"/>
           </a:xfrm>
         </p:spPr>
         <p:txBody>
@@ -2219,8 +2225,8 @@
         </p:nvSpPr>
         <p:spPr>
           <a:xfrm>
-            <a:off x="5183188" y="987425"/>
-            <a:ext cx="6172200" cy="4873625"/>
+            <a:off x="5183188" y="987426"/>
+            <a:ext cx="6172201" cy="4873625"/>
           </a:xfrm>
         </p:spPr>
         <p:txBody>
@@ -2309,8 +2315,8 @@
         </p:nvSpPr>
         <p:spPr>
           <a:xfrm>
-            <a:off x="839788" y="2057400"/>
-            <a:ext cx="3932237" cy="3811588"/>
+            <a:off x="839790" y="2057400"/>
+            <a:ext cx="3932236" cy="3811588"/>
           </a:xfrm>
         </p:spPr>
         <p:txBody>
@@ -2320,37 +2326,37 @@
               <a:buNone/>
               <a:defRPr sz="1600"/>
             </a:lvl1pPr>
-            <a:lvl2pPr marL="457200" indent="0">
+            <a:lvl2pPr marL="457206" indent="0">
               <a:buNone/>
-              <a:defRPr sz="1400"/>
+              <a:defRPr sz="1401"/>
             </a:lvl2pPr>
-            <a:lvl3pPr marL="914400" indent="0">
+            <a:lvl3pPr marL="914411" indent="0">
               <a:buNone/>
               <a:defRPr sz="1200"/>
             </a:lvl3pPr>
-            <a:lvl4pPr marL="1371600" indent="0">
+            <a:lvl4pPr marL="1371617" indent="0">
               <a:buNone/>
-              <a:defRPr sz="1000"/>
+              <a:defRPr sz="1001"/>
             </a:lvl4pPr>
-            <a:lvl5pPr marL="1828800" indent="0">
+            <a:lvl5pPr marL="1828823" indent="0">
               <a:buNone/>
-              <a:defRPr sz="1000"/>
+              <a:defRPr sz="1001"/>
             </a:lvl5pPr>
-            <a:lvl6pPr marL="2286000" indent="0">
+            <a:lvl6pPr marL="2286029" indent="0">
               <a:buNone/>
-              <a:defRPr sz="1000"/>
+              <a:defRPr sz="1001"/>
             </a:lvl6pPr>
-            <a:lvl7pPr marL="2743200" indent="0">
+            <a:lvl7pPr marL="2743234" indent="0">
               <a:buNone/>
-              <a:defRPr sz="1000"/>
+              <a:defRPr sz="1001"/>
             </a:lvl7pPr>
-            <a:lvl8pPr marL="3200400" indent="0">
+            <a:lvl8pPr marL="3200440" indent="0">
               <a:buNone/>
-              <a:defRPr sz="1000"/>
+              <a:defRPr sz="1001"/>
             </a:lvl8pPr>
-            <a:lvl9pPr marL="3657600" indent="0">
+            <a:lvl9pPr marL="3657646" indent="0">
               <a:buNone/>
-              <a:defRPr sz="1000"/>
+              <a:defRPr sz="1001"/>
             </a:lvl9pPr>
           </a:lstStyle>
           <a:p>
@@ -2385,7 +2391,7 @@
           <a:p>
             <a:fld id="{28D8A1B6-0DDC-46BC-AFC7-95A68A0DFAB7}" type="datetimeFigureOut">
               <a:rPr lang="ko-KR" altLang="en-US" smtClean="0"/>
-              <a:t>2020-11-12</a:t>
+              <a:t>2020-11-13</a:t>
             </a:fld>
             <a:endParaRPr lang="ko-KR" altLang="en-US"/>
           </a:p>
@@ -2493,8 +2499,8 @@
         </p:nvSpPr>
         <p:spPr>
           <a:xfrm>
-            <a:off x="839788" y="457200"/>
-            <a:ext cx="3932237" cy="1600200"/>
+            <a:off x="839790" y="457200"/>
+            <a:ext cx="3932236" cy="1600200"/>
           </a:xfrm>
         </p:spPr>
         <p:txBody>
@@ -2530,8 +2536,8 @@
         </p:nvSpPr>
         <p:spPr>
           <a:xfrm>
-            <a:off x="5183188" y="987425"/>
-            <a:ext cx="6172200" cy="4873625"/>
+            <a:off x="5183188" y="987426"/>
+            <a:ext cx="6172201" cy="4873625"/>
           </a:xfrm>
         </p:spPr>
         <p:txBody>
@@ -2541,35 +2547,35 @@
               <a:buNone/>
               <a:defRPr sz="3200"/>
             </a:lvl1pPr>
-            <a:lvl2pPr marL="457200" indent="0">
+            <a:lvl2pPr marL="457206" indent="0">
               <a:buNone/>
               <a:defRPr sz="2800"/>
             </a:lvl2pPr>
-            <a:lvl3pPr marL="914400" indent="0">
+            <a:lvl3pPr marL="914411" indent="0">
               <a:buNone/>
               <a:defRPr sz="2400"/>
             </a:lvl3pPr>
-            <a:lvl4pPr marL="1371600" indent="0">
+            <a:lvl4pPr marL="1371617" indent="0">
               <a:buNone/>
               <a:defRPr sz="2000"/>
             </a:lvl4pPr>
-            <a:lvl5pPr marL="1828800" indent="0">
+            <a:lvl5pPr marL="1828823" indent="0">
               <a:buNone/>
               <a:defRPr sz="2000"/>
             </a:lvl5pPr>
-            <a:lvl6pPr marL="2286000" indent="0">
+            <a:lvl6pPr marL="2286029" indent="0">
               <a:buNone/>
               <a:defRPr sz="2000"/>
             </a:lvl6pPr>
-            <a:lvl7pPr marL="2743200" indent="0">
+            <a:lvl7pPr marL="2743234" indent="0">
               <a:buNone/>
               <a:defRPr sz="2000"/>
             </a:lvl7pPr>
-            <a:lvl8pPr marL="3200400" indent="0">
+            <a:lvl8pPr marL="3200440" indent="0">
               <a:buNone/>
               <a:defRPr sz="2000"/>
             </a:lvl8pPr>
-            <a:lvl9pPr marL="3657600" indent="0">
+            <a:lvl9pPr marL="3657646" indent="0">
               <a:buNone/>
               <a:defRPr sz="2000"/>
             </a:lvl9pPr>
@@ -2597,8 +2603,8 @@
         </p:nvSpPr>
         <p:spPr>
           <a:xfrm>
-            <a:off x="839788" y="2057400"/>
-            <a:ext cx="3932237" cy="3811588"/>
+            <a:off x="839790" y="2057400"/>
+            <a:ext cx="3932236" cy="3811588"/>
           </a:xfrm>
         </p:spPr>
         <p:txBody>
@@ -2608,37 +2614,37 @@
               <a:buNone/>
               <a:defRPr sz="1600"/>
             </a:lvl1pPr>
-            <a:lvl2pPr marL="457200" indent="0">
+            <a:lvl2pPr marL="457206" indent="0">
               <a:buNone/>
-              <a:defRPr sz="1400"/>
+              <a:defRPr sz="1401"/>
             </a:lvl2pPr>
-            <a:lvl3pPr marL="914400" indent="0">
+            <a:lvl3pPr marL="914411" indent="0">
               <a:buNone/>
               <a:defRPr sz="1200"/>
             </a:lvl3pPr>
-            <a:lvl4pPr marL="1371600" indent="0">
+            <a:lvl4pPr marL="1371617" indent="0">
               <a:buNone/>
-              <a:defRPr sz="1000"/>
+              <a:defRPr sz="1001"/>
             </a:lvl4pPr>
-            <a:lvl5pPr marL="1828800" indent="0">
+            <a:lvl5pPr marL="1828823" indent="0">
               <a:buNone/>
-              <a:defRPr sz="1000"/>
+              <a:defRPr sz="1001"/>
             </a:lvl5pPr>
-            <a:lvl6pPr marL="2286000" indent="0">
+            <a:lvl6pPr marL="2286029" indent="0">
               <a:buNone/>
-              <a:defRPr sz="1000"/>
+              <a:defRPr sz="1001"/>
             </a:lvl6pPr>
-            <a:lvl7pPr marL="2743200" indent="0">
+            <a:lvl7pPr marL="2743234" indent="0">
               <a:buNone/>
-              <a:defRPr sz="1000"/>
+              <a:defRPr sz="1001"/>
             </a:lvl7pPr>
-            <a:lvl8pPr marL="3200400" indent="0">
+            <a:lvl8pPr marL="3200440" indent="0">
               <a:buNone/>
-              <a:defRPr sz="1000"/>
+              <a:defRPr sz="1001"/>
             </a:lvl8pPr>
-            <a:lvl9pPr marL="3657600" indent="0">
+            <a:lvl9pPr marL="3657646" indent="0">
               <a:buNone/>
-              <a:defRPr sz="1000"/>
+              <a:defRPr sz="1001"/>
             </a:lvl9pPr>
           </a:lstStyle>
           <a:p>
@@ -2673,7 +2679,7 @@
           <a:p>
             <a:fld id="{28D8A1B6-0DDC-46BC-AFC7-95A68A0DFAB7}" type="datetimeFigureOut">
               <a:rPr lang="ko-KR" altLang="en-US" smtClean="0"/>
-              <a:t>2020-11-12</a:t>
+              <a:t>2020-11-13</a:t>
             </a:fld>
             <a:endParaRPr lang="ko-KR" altLang="en-US"/>
           </a:p>
@@ -2786,7 +2792,7 @@
         </p:nvSpPr>
         <p:spPr>
           <a:xfrm>
-            <a:off x="838200" y="365125"/>
+            <a:off x="838202" y="365126"/>
             <a:ext cx="10515600" cy="1325563"/>
           </a:xfrm>
           <a:prstGeom prst="rect">
@@ -2824,7 +2830,7 @@
         </p:nvSpPr>
         <p:spPr>
           <a:xfrm>
-            <a:off x="838200" y="1825625"/>
+            <a:off x="838202" y="1825625"/>
             <a:ext cx="10515600" cy="4351338"/>
           </a:xfrm>
           <a:prstGeom prst="rect">
@@ -2891,7 +2897,7 @@
         </p:nvSpPr>
         <p:spPr>
           <a:xfrm>
-            <a:off x="838200" y="6356350"/>
+            <a:off x="838201" y="6356351"/>
             <a:ext cx="2743200" cy="365125"/>
           </a:xfrm>
           <a:prstGeom prst="rect">
@@ -2914,7 +2920,7 @@
           <a:p>
             <a:fld id="{28D8A1B6-0DDC-46BC-AFC7-95A68A0DFAB7}" type="datetimeFigureOut">
               <a:rPr lang="ko-KR" altLang="en-US" smtClean="0"/>
-              <a:t>2020-11-12</a:t>
+              <a:t>2020-11-13</a:t>
             </a:fld>
             <a:endParaRPr lang="ko-KR" altLang="en-US"/>
           </a:p>
@@ -2938,7 +2944,7 @@
         </p:nvSpPr>
         <p:spPr>
           <a:xfrm>
-            <a:off x="4038600" y="6356350"/>
+            <a:off x="4038602" y="6356351"/>
             <a:ext cx="4114800" cy="365125"/>
           </a:xfrm>
           <a:prstGeom prst="rect">
@@ -2981,7 +2987,7 @@
         </p:nvSpPr>
         <p:spPr>
           <a:xfrm>
-            <a:off x="8610600" y="6356350"/>
+            <a:off x="8610601" y="6356351"/>
             <a:ext cx="2743200" cy="365125"/>
           </a:xfrm>
           <a:prstGeom prst="rect">
@@ -3033,7 +3039,7 @@
   </p:sldLayoutIdLst>
   <p:txStyles>
     <p:titleStyle>
-      <a:lvl1pPr algn="l" defTabSz="914400" rtl="0" eaLnBrk="1" latinLnBrk="1" hangingPunct="1">
+      <a:lvl1pPr algn="l" defTabSz="914411" rtl="0" eaLnBrk="1" latinLnBrk="1" hangingPunct="1">
         <a:lnSpc>
           <a:spcPct val="90000"/>
         </a:lnSpc>
@@ -3052,12 +3058,12 @@
       </a:lvl1pPr>
     </p:titleStyle>
     <p:bodyStyle>
-      <a:lvl1pPr marL="228600" indent="-228600" algn="l" defTabSz="914400" rtl="0" eaLnBrk="1" latinLnBrk="1" hangingPunct="1">
+      <a:lvl1pPr marL="228604" indent="-228604" algn="l" defTabSz="914411" rtl="0" eaLnBrk="1" latinLnBrk="1" hangingPunct="1">
         <a:lnSpc>
           <a:spcPct val="90000"/>
         </a:lnSpc>
         <a:spcBef>
-          <a:spcPts val="1000"/>
+          <a:spcPts val="1001"/>
         </a:spcBef>
         <a:buFont typeface="Arial" panose="020B0604020202020204" pitchFamily="34" charset="0"/>
         <a:buChar char="•"/>
@@ -3070,7 +3076,7 @@
           <a:cs typeface="+mn-cs"/>
         </a:defRPr>
       </a:lvl1pPr>
-      <a:lvl2pPr marL="685800" indent="-228600" algn="l" defTabSz="914400" rtl="0" eaLnBrk="1" latinLnBrk="1" hangingPunct="1">
+      <a:lvl2pPr marL="685809" indent="-228604" algn="l" defTabSz="914411" rtl="0" eaLnBrk="1" latinLnBrk="1" hangingPunct="1">
         <a:lnSpc>
           <a:spcPct val="90000"/>
         </a:lnSpc>
@@ -3088,7 +3094,7 @@
           <a:cs typeface="+mn-cs"/>
         </a:defRPr>
       </a:lvl2pPr>
-      <a:lvl3pPr marL="1143000" indent="-228600" algn="l" defTabSz="914400" rtl="0" eaLnBrk="1" latinLnBrk="1" hangingPunct="1">
+      <a:lvl3pPr marL="1143015" indent="-228604" algn="l" defTabSz="914411" rtl="0" eaLnBrk="1" latinLnBrk="1" hangingPunct="1">
         <a:lnSpc>
           <a:spcPct val="90000"/>
         </a:lnSpc>
@@ -3106,7 +3112,7 @@
           <a:cs typeface="+mn-cs"/>
         </a:defRPr>
       </a:lvl3pPr>
-      <a:lvl4pPr marL="1600200" indent="-228600" algn="l" defTabSz="914400" rtl="0" eaLnBrk="1" latinLnBrk="1" hangingPunct="1">
+      <a:lvl4pPr marL="1600221" indent="-228604" algn="l" defTabSz="914411" rtl="0" eaLnBrk="1" latinLnBrk="1" hangingPunct="1">
         <a:lnSpc>
           <a:spcPct val="90000"/>
         </a:lnSpc>
@@ -3115,7 +3121,7 @@
         </a:spcBef>
         <a:buFont typeface="Arial" panose="020B0604020202020204" pitchFamily="34" charset="0"/>
         <a:buChar char="•"/>
-        <a:defRPr sz="1800" kern="1200">
+        <a:defRPr sz="1801" kern="1200">
           <a:solidFill>
             <a:schemeClr val="tx1"/>
           </a:solidFill>
@@ -3124,7 +3130,7 @@
           <a:cs typeface="+mn-cs"/>
         </a:defRPr>
       </a:lvl4pPr>
-      <a:lvl5pPr marL="2057400" indent="-228600" algn="l" defTabSz="914400" rtl="0" eaLnBrk="1" latinLnBrk="1" hangingPunct="1">
+      <a:lvl5pPr marL="2057427" indent="-228604" algn="l" defTabSz="914411" rtl="0" eaLnBrk="1" latinLnBrk="1" hangingPunct="1">
         <a:lnSpc>
           <a:spcPct val="90000"/>
         </a:lnSpc>
@@ -3133,7 +3139,7 @@
         </a:spcBef>
         <a:buFont typeface="Arial" panose="020B0604020202020204" pitchFamily="34" charset="0"/>
         <a:buChar char="•"/>
-        <a:defRPr sz="1800" kern="1200">
+        <a:defRPr sz="1801" kern="1200">
           <a:solidFill>
             <a:schemeClr val="tx1"/>
           </a:solidFill>
@@ -3142,7 +3148,7 @@
           <a:cs typeface="+mn-cs"/>
         </a:defRPr>
       </a:lvl5pPr>
-      <a:lvl6pPr marL="2514600" indent="-228600" algn="l" defTabSz="914400" rtl="0" eaLnBrk="1" latinLnBrk="1" hangingPunct="1">
+      <a:lvl6pPr marL="2514632" indent="-228604" algn="l" defTabSz="914411" rtl="0" eaLnBrk="1" latinLnBrk="1" hangingPunct="1">
         <a:lnSpc>
           <a:spcPct val="90000"/>
         </a:lnSpc>
@@ -3151,7 +3157,7 @@
         </a:spcBef>
         <a:buFont typeface="Arial" panose="020B0604020202020204" pitchFamily="34" charset="0"/>
         <a:buChar char="•"/>
-        <a:defRPr sz="1800" kern="1200">
+        <a:defRPr sz="1801" kern="1200">
           <a:solidFill>
             <a:schemeClr val="tx1"/>
           </a:solidFill>
@@ -3160,7 +3166,7 @@
           <a:cs typeface="+mn-cs"/>
         </a:defRPr>
       </a:lvl6pPr>
-      <a:lvl7pPr marL="2971800" indent="-228600" algn="l" defTabSz="914400" rtl="0" eaLnBrk="1" latinLnBrk="1" hangingPunct="1">
+      <a:lvl7pPr marL="2971838" indent="-228604" algn="l" defTabSz="914411" rtl="0" eaLnBrk="1" latinLnBrk="1" hangingPunct="1">
         <a:lnSpc>
           <a:spcPct val="90000"/>
         </a:lnSpc>
@@ -3169,7 +3175,7 @@
         </a:spcBef>
         <a:buFont typeface="Arial" panose="020B0604020202020204" pitchFamily="34" charset="0"/>
         <a:buChar char="•"/>
-        <a:defRPr sz="1800" kern="1200">
+        <a:defRPr sz="1801" kern="1200">
           <a:solidFill>
             <a:schemeClr val="tx1"/>
           </a:solidFill>
@@ -3178,7 +3184,7 @@
           <a:cs typeface="+mn-cs"/>
         </a:defRPr>
       </a:lvl7pPr>
-      <a:lvl8pPr marL="3429000" indent="-228600" algn="l" defTabSz="914400" rtl="0" eaLnBrk="1" latinLnBrk="1" hangingPunct="1">
+      <a:lvl8pPr marL="3429044" indent="-228604" algn="l" defTabSz="914411" rtl="0" eaLnBrk="1" latinLnBrk="1" hangingPunct="1">
         <a:lnSpc>
           <a:spcPct val="90000"/>
         </a:lnSpc>
@@ -3187,7 +3193,7 @@
         </a:spcBef>
         <a:buFont typeface="Arial" panose="020B0604020202020204" pitchFamily="34" charset="0"/>
         <a:buChar char="•"/>
-        <a:defRPr sz="1800" kern="1200">
+        <a:defRPr sz="1801" kern="1200">
           <a:solidFill>
             <a:schemeClr val="tx1"/>
           </a:solidFill>
@@ -3196,7 +3202,7 @@
           <a:cs typeface="+mn-cs"/>
         </a:defRPr>
       </a:lvl8pPr>
-      <a:lvl9pPr marL="3886200" indent="-228600" algn="l" defTabSz="914400" rtl="0" eaLnBrk="1" latinLnBrk="1" hangingPunct="1">
+      <a:lvl9pPr marL="3886249" indent="-228604" algn="l" defTabSz="914411" rtl="0" eaLnBrk="1" latinLnBrk="1" hangingPunct="1">
         <a:lnSpc>
           <a:spcPct val="90000"/>
         </a:lnSpc>
@@ -3205,7 +3211,7 @@
         </a:spcBef>
         <a:buFont typeface="Arial" panose="020B0604020202020204" pitchFamily="34" charset="0"/>
         <a:buChar char="•"/>
-        <a:defRPr sz="1800" kern="1200">
+        <a:defRPr sz="1801" kern="1200">
           <a:solidFill>
             <a:schemeClr val="tx1"/>
           </a:solidFill>
@@ -3219,8 +3225,8 @@
       <a:defPPr>
         <a:defRPr lang="ko-KR"/>
       </a:defPPr>
-      <a:lvl1pPr marL="0" algn="l" defTabSz="914400" rtl="0" eaLnBrk="1" latinLnBrk="1" hangingPunct="1">
-        <a:defRPr sz="1800" kern="1200">
+      <a:lvl1pPr marL="0" algn="l" defTabSz="914411" rtl="0" eaLnBrk="1" latinLnBrk="1" hangingPunct="1">
+        <a:defRPr sz="1801" kern="1200">
           <a:solidFill>
             <a:schemeClr val="tx1"/>
           </a:solidFill>
@@ -3229,8 +3235,8 @@
           <a:cs typeface="+mn-cs"/>
         </a:defRPr>
       </a:lvl1pPr>
-      <a:lvl2pPr marL="457200" algn="l" defTabSz="914400" rtl="0" eaLnBrk="1" latinLnBrk="1" hangingPunct="1">
-        <a:defRPr sz="1800" kern="1200">
+      <a:lvl2pPr marL="457206" algn="l" defTabSz="914411" rtl="0" eaLnBrk="1" latinLnBrk="1" hangingPunct="1">
+        <a:defRPr sz="1801" kern="1200">
           <a:solidFill>
             <a:schemeClr val="tx1"/>
           </a:solidFill>
@@ -3239,8 +3245,8 @@
           <a:cs typeface="+mn-cs"/>
         </a:defRPr>
       </a:lvl2pPr>
-      <a:lvl3pPr marL="914400" algn="l" defTabSz="914400" rtl="0" eaLnBrk="1" latinLnBrk="1" hangingPunct="1">
-        <a:defRPr sz="1800" kern="1200">
+      <a:lvl3pPr marL="914411" algn="l" defTabSz="914411" rtl="0" eaLnBrk="1" latinLnBrk="1" hangingPunct="1">
+        <a:defRPr sz="1801" kern="1200">
           <a:solidFill>
             <a:schemeClr val="tx1"/>
           </a:solidFill>
@@ -3249,8 +3255,8 @@
           <a:cs typeface="+mn-cs"/>
         </a:defRPr>
       </a:lvl3pPr>
-      <a:lvl4pPr marL="1371600" algn="l" defTabSz="914400" rtl="0" eaLnBrk="1" latinLnBrk="1" hangingPunct="1">
-        <a:defRPr sz="1800" kern="1200">
+      <a:lvl4pPr marL="1371617" algn="l" defTabSz="914411" rtl="0" eaLnBrk="1" latinLnBrk="1" hangingPunct="1">
+        <a:defRPr sz="1801" kern="1200">
           <a:solidFill>
             <a:schemeClr val="tx1"/>
           </a:solidFill>
@@ -3259,8 +3265,8 @@
           <a:cs typeface="+mn-cs"/>
         </a:defRPr>
       </a:lvl4pPr>
-      <a:lvl5pPr marL="1828800" algn="l" defTabSz="914400" rtl="0" eaLnBrk="1" latinLnBrk="1" hangingPunct="1">
-        <a:defRPr sz="1800" kern="1200">
+      <a:lvl5pPr marL="1828823" algn="l" defTabSz="914411" rtl="0" eaLnBrk="1" latinLnBrk="1" hangingPunct="1">
+        <a:defRPr sz="1801" kern="1200">
           <a:solidFill>
             <a:schemeClr val="tx1"/>
           </a:solidFill>
@@ -3269,8 +3275,8 @@
           <a:cs typeface="+mn-cs"/>
         </a:defRPr>
       </a:lvl5pPr>
-      <a:lvl6pPr marL="2286000" algn="l" defTabSz="914400" rtl="0" eaLnBrk="1" latinLnBrk="1" hangingPunct="1">
-        <a:defRPr sz="1800" kern="1200">
+      <a:lvl6pPr marL="2286029" algn="l" defTabSz="914411" rtl="0" eaLnBrk="1" latinLnBrk="1" hangingPunct="1">
+        <a:defRPr sz="1801" kern="1200">
           <a:solidFill>
             <a:schemeClr val="tx1"/>
           </a:solidFill>
@@ -3279,8 +3285,8 @@
           <a:cs typeface="+mn-cs"/>
         </a:defRPr>
       </a:lvl6pPr>
-      <a:lvl7pPr marL="2743200" algn="l" defTabSz="914400" rtl="0" eaLnBrk="1" latinLnBrk="1" hangingPunct="1">
-        <a:defRPr sz="1800" kern="1200">
+      <a:lvl7pPr marL="2743234" algn="l" defTabSz="914411" rtl="0" eaLnBrk="1" latinLnBrk="1" hangingPunct="1">
+        <a:defRPr sz="1801" kern="1200">
           <a:solidFill>
             <a:schemeClr val="tx1"/>
           </a:solidFill>
@@ -3289,8 +3295,8 @@
           <a:cs typeface="+mn-cs"/>
         </a:defRPr>
       </a:lvl7pPr>
-      <a:lvl8pPr marL="3200400" algn="l" defTabSz="914400" rtl="0" eaLnBrk="1" latinLnBrk="1" hangingPunct="1">
-        <a:defRPr sz="1800" kern="1200">
+      <a:lvl8pPr marL="3200440" algn="l" defTabSz="914411" rtl="0" eaLnBrk="1" latinLnBrk="1" hangingPunct="1">
+        <a:defRPr sz="1801" kern="1200">
           <a:solidFill>
             <a:schemeClr val="tx1"/>
           </a:solidFill>
@@ -3299,8 +3305,8 @@
           <a:cs typeface="+mn-cs"/>
         </a:defRPr>
       </a:lvl8pPr>
-      <a:lvl9pPr marL="3657600" algn="l" defTabSz="914400" rtl="0" eaLnBrk="1" latinLnBrk="1" hangingPunct="1">
-        <a:defRPr sz="1800" kern="1200">
+      <a:lvl9pPr marL="3657646" algn="l" defTabSz="914411" rtl="0" eaLnBrk="1" latinLnBrk="1" hangingPunct="1">
+        <a:defRPr sz="1801" kern="1200">
           <a:solidFill>
             <a:schemeClr val="tx1"/>
           </a:solidFill>
@@ -3405,6 +3411,670 @@
 </p:sld>
 </file>
 
+<file path=ppt/slides/slide10.xml><?xml version="1.0" encoding="utf-8"?>
+<p:sld xmlns:a="http://schemas.openxmlformats.org/drawingml/2006/main" xmlns:r="http://schemas.openxmlformats.org/officeDocument/2006/relationships" xmlns:p="http://schemas.openxmlformats.org/presentationml/2006/main">
+  <p:cSld>
+    <p:spTree>
+      <p:nvGrpSpPr>
+        <p:cNvPr id="1" name=""/>
+        <p:cNvGrpSpPr/>
+        <p:nvPr/>
+      </p:nvGrpSpPr>
+      <p:grpSpPr>
+        <a:xfrm>
+          <a:off x="0" y="0"/>
+          <a:ext cx="0" cy="0"/>
+          <a:chOff x="0" y="0"/>
+          <a:chExt cx="0" cy="0"/>
+        </a:xfrm>
+      </p:grpSpPr>
+      <p:sp>
+        <p:nvSpPr>
+          <p:cNvPr id="4" name="TextBox 3">
+            <a:extLst>
+              <a:ext uri="{FF2B5EF4-FFF2-40B4-BE49-F238E27FC236}">
+                <a16:creationId xmlns:a16="http://schemas.microsoft.com/office/drawing/2014/main" id="{8ADC5337-62D1-49AC-8EC3-978755ADED0E}"/>
+              </a:ext>
+            </a:extLst>
+          </p:cNvPr>
+          <p:cNvSpPr txBox="1"/>
+          <p:nvPr/>
+        </p:nvSpPr>
+        <p:spPr>
+          <a:xfrm>
+            <a:off x="367649" y="311086"/>
+            <a:ext cx="3205115" cy="707886"/>
+          </a:xfrm>
+          <a:prstGeom prst="rect">
+            <a:avLst/>
+          </a:prstGeom>
+          <a:noFill/>
+        </p:spPr>
+        <p:txBody>
+          <a:bodyPr wrap="square" rtlCol="0">
+            <a:spAutoFit/>
+          </a:bodyPr>
+          <a:lstStyle/>
+          <a:p>
+            <a:r>
+              <a:rPr lang="ko-KR" altLang="en-US" sz="4000" dirty="0"/>
+              <a:t>장애 자료</a:t>
+            </a:r>
+          </a:p>
+        </p:txBody>
+      </p:sp>
+      <p:sp>
+        <p:nvSpPr>
+          <p:cNvPr id="5" name="TextBox 4">
+            <a:extLst>
+              <a:ext uri="{FF2B5EF4-FFF2-40B4-BE49-F238E27FC236}">
+                <a16:creationId xmlns:a16="http://schemas.microsoft.com/office/drawing/2014/main" id="{981AA9AE-7FB2-47F2-9258-E7D8B456F0C3}"/>
+              </a:ext>
+            </a:extLst>
+          </p:cNvPr>
+          <p:cNvSpPr txBox="1"/>
+          <p:nvPr/>
+        </p:nvSpPr>
+        <p:spPr>
+          <a:xfrm>
+            <a:off x="1773810" y="1821985"/>
+            <a:ext cx="8644380" cy="646587"/>
+          </a:xfrm>
+          <a:prstGeom prst="rect">
+            <a:avLst/>
+          </a:prstGeom>
+          <a:noFill/>
+        </p:spPr>
+        <p:txBody>
+          <a:bodyPr wrap="square" rtlCol="0">
+            <a:spAutoFit/>
+          </a:bodyPr>
+          <a:lstStyle/>
+          <a:p>
+            <a:r>
+              <a:rPr lang="en-US" altLang="ko-KR" sz="1801" dirty="0" err="1"/>
+              <a:t>Rec_cust</a:t>
+            </a:r>
+            <a:r>
+              <a:rPr lang="ko-KR" altLang="en-US" sz="1801" dirty="0"/>
+              <a:t> </a:t>
+            </a:r>
+            <a:r>
+              <a:rPr lang="en-US" altLang="ko-KR" sz="1801" dirty="0"/>
+              <a:t>table</a:t>
+            </a:r>
+            <a:r>
+              <a:rPr lang="ko-KR" altLang="en-US" sz="1801" dirty="0"/>
+              <a:t>에 </a:t>
+            </a:r>
+            <a:r>
+              <a:rPr lang="en-US" altLang="ko-KR" sz="1801" dirty="0"/>
+              <a:t>insert</a:t>
+            </a:r>
+            <a:r>
+              <a:rPr lang="ko-KR" altLang="en-US" sz="1801" dirty="0"/>
+              <a:t>를 시도하였으나</a:t>
+            </a:r>
+            <a:r>
+              <a:rPr lang="en-US" altLang="ko-KR" sz="1801" dirty="0"/>
+              <a:t>, ‘gender’</a:t>
+            </a:r>
+            <a:r>
+              <a:rPr lang="ko-KR" altLang="en-US" sz="1801" dirty="0"/>
+              <a:t>이 없다는 에러를 보이며 </a:t>
+            </a:r>
+            <a:r>
+              <a:rPr lang="en-US" altLang="ko-KR" sz="1801" dirty="0"/>
+              <a:t>insert</a:t>
+            </a:r>
+            <a:r>
+              <a:rPr lang="ko-KR" altLang="en-US" sz="1801" dirty="0"/>
+              <a:t>가 되지 않는 장애가 발생했습니다</a:t>
+            </a:r>
+            <a:r>
+              <a:rPr lang="en-US" altLang="ko-KR" sz="1801" dirty="0"/>
+              <a:t>.</a:t>
+            </a:r>
+            <a:endParaRPr lang="ko-KR" altLang="en-US" sz="1801" dirty="0"/>
+          </a:p>
+        </p:txBody>
+      </p:sp>
+      <p:pic>
+        <p:nvPicPr>
+          <p:cNvPr id="7" name="그림 6">
+            <a:extLst>
+              <a:ext uri="{FF2B5EF4-FFF2-40B4-BE49-F238E27FC236}">
+                <a16:creationId xmlns:a16="http://schemas.microsoft.com/office/drawing/2014/main" id="{ACA2C02F-20F3-4265-B9CB-E4B14BABCDB4}"/>
+              </a:ext>
+            </a:extLst>
+          </p:cNvPr>
+          <p:cNvPicPr>
+            <a:picLocks noChangeAspect="1"/>
+          </p:cNvPicPr>
+          <p:nvPr/>
+        </p:nvPicPr>
+        <p:blipFill>
+          <a:blip r:embed="rId2">
+            <a:extLst>
+              <a:ext uri="{28A0092B-C50C-407E-A947-70E740481C1C}">
+                <a14:useLocalDpi xmlns:a14="http://schemas.microsoft.com/office/drawing/2010/main" val="0"/>
+              </a:ext>
+            </a:extLst>
+          </a:blip>
+          <a:stretch>
+            <a:fillRect/>
+          </a:stretch>
+        </p:blipFill>
+        <p:spPr>
+          <a:xfrm>
+            <a:off x="1213463" y="2873206"/>
+            <a:ext cx="9765074" cy="2364636"/>
+          </a:xfrm>
+          <a:prstGeom prst="rect">
+            <a:avLst/>
+          </a:prstGeom>
+        </p:spPr>
+      </p:pic>
+    </p:spTree>
+    <p:extLst>
+      <p:ext uri="{BB962C8B-B14F-4D97-AF65-F5344CB8AC3E}">
+        <p14:creationId xmlns:p14="http://schemas.microsoft.com/office/powerpoint/2010/main" val="3115712959"/>
+      </p:ext>
+    </p:extLst>
+  </p:cSld>
+  <p:clrMapOvr>
+    <a:masterClrMapping/>
+  </p:clrMapOvr>
+</p:sld>
+</file>
+
+<file path=ppt/slides/slide11.xml><?xml version="1.0" encoding="utf-8"?>
+<p:sld xmlns:a="http://schemas.openxmlformats.org/drawingml/2006/main" xmlns:r="http://schemas.openxmlformats.org/officeDocument/2006/relationships" xmlns:p="http://schemas.openxmlformats.org/presentationml/2006/main">
+  <p:cSld>
+    <p:spTree>
+      <p:nvGrpSpPr>
+        <p:cNvPr id="1" name=""/>
+        <p:cNvGrpSpPr/>
+        <p:nvPr/>
+      </p:nvGrpSpPr>
+      <p:grpSpPr>
+        <a:xfrm>
+          <a:off x="0" y="0"/>
+          <a:ext cx="0" cy="0"/>
+          <a:chOff x="0" y="0"/>
+          <a:chExt cx="0" cy="0"/>
+        </a:xfrm>
+      </p:grpSpPr>
+      <p:sp>
+        <p:nvSpPr>
+          <p:cNvPr id="4" name="TextBox 3">
+            <a:extLst>
+              <a:ext uri="{FF2B5EF4-FFF2-40B4-BE49-F238E27FC236}">
+                <a16:creationId xmlns:a16="http://schemas.microsoft.com/office/drawing/2014/main" id="{8ADC5337-62D1-49AC-8EC3-978755ADED0E}"/>
+              </a:ext>
+            </a:extLst>
+          </p:cNvPr>
+          <p:cNvSpPr txBox="1"/>
+          <p:nvPr/>
+        </p:nvSpPr>
+        <p:spPr>
+          <a:xfrm>
+            <a:off x="367649" y="311086"/>
+            <a:ext cx="4100656" cy="707886"/>
+          </a:xfrm>
+          <a:prstGeom prst="rect">
+            <a:avLst/>
+          </a:prstGeom>
+          <a:noFill/>
+        </p:spPr>
+        <p:txBody>
+          <a:bodyPr wrap="square" rtlCol="0">
+            <a:spAutoFit/>
+          </a:bodyPr>
+          <a:lstStyle/>
+          <a:p>
+            <a:r>
+              <a:rPr lang="en-US" altLang="ko-KR" sz="4000"/>
+              <a:t>Backtrack </a:t>
+            </a:r>
+            <a:r>
+              <a:rPr lang="ko-KR" altLang="en-US" sz="4000" dirty="0"/>
+              <a:t>결과</a:t>
+            </a:r>
+          </a:p>
+        </p:txBody>
+      </p:sp>
+      <p:sp>
+        <p:nvSpPr>
+          <p:cNvPr id="5" name="TextBox 4">
+            <a:extLst>
+              <a:ext uri="{FF2B5EF4-FFF2-40B4-BE49-F238E27FC236}">
+                <a16:creationId xmlns:a16="http://schemas.microsoft.com/office/drawing/2014/main" id="{981AA9AE-7FB2-47F2-9258-E7D8B456F0C3}"/>
+              </a:ext>
+            </a:extLst>
+          </p:cNvPr>
+          <p:cNvSpPr txBox="1"/>
+          <p:nvPr/>
+        </p:nvSpPr>
+        <p:spPr>
+          <a:xfrm>
+            <a:off x="963105" y="1688455"/>
+            <a:ext cx="9971988" cy="369460"/>
+          </a:xfrm>
+          <a:prstGeom prst="rect">
+            <a:avLst/>
+          </a:prstGeom>
+          <a:noFill/>
+        </p:spPr>
+        <p:txBody>
+          <a:bodyPr wrap="square" rtlCol="0">
+            <a:spAutoFit/>
+          </a:bodyPr>
+          <a:lstStyle/>
+          <a:p>
+            <a:r>
+              <a:rPr lang="en-US" altLang="ko-KR" sz="1801" dirty="0"/>
+              <a:t>UTC</a:t>
+            </a:r>
+            <a:r>
+              <a:rPr lang="ko-KR" altLang="en-US" sz="1801" dirty="0"/>
+              <a:t>기준 </a:t>
+            </a:r>
+            <a:r>
+              <a:rPr lang="en-US" altLang="ko-KR" sz="1801" dirty="0"/>
+              <a:t>11</a:t>
+            </a:r>
+            <a:r>
+              <a:rPr lang="ko-KR" altLang="en-US" sz="1801" dirty="0"/>
+              <a:t>월 </a:t>
+            </a:r>
+            <a:r>
+              <a:rPr lang="en-US" altLang="ko-KR" sz="1801" dirty="0"/>
+              <a:t>10</a:t>
+            </a:r>
+            <a:r>
+              <a:rPr lang="ko-KR" altLang="en-US" sz="1801" dirty="0"/>
+              <a:t>일 오전 </a:t>
+            </a:r>
+            <a:r>
+              <a:rPr lang="en-US" altLang="ko-KR" sz="1801" dirty="0"/>
+              <a:t>11</a:t>
+            </a:r>
+            <a:r>
+              <a:rPr lang="ko-KR" altLang="en-US" sz="1801" dirty="0"/>
+              <a:t>시</a:t>
+            </a:r>
+            <a:r>
+              <a:rPr lang="en-US" altLang="ko-KR" sz="1801" dirty="0"/>
+              <a:t>(GTC : 11</a:t>
+            </a:r>
+            <a:r>
+              <a:rPr lang="ko-KR" altLang="en-US" sz="1801" dirty="0"/>
+              <a:t>월 </a:t>
+            </a:r>
+            <a:r>
+              <a:rPr lang="en-US" altLang="ko-KR" sz="1801" dirty="0"/>
+              <a:t>10</a:t>
+            </a:r>
+            <a:r>
+              <a:rPr lang="ko-KR" altLang="en-US" sz="1801" dirty="0"/>
+              <a:t>일 오후 </a:t>
+            </a:r>
+            <a:r>
+              <a:rPr lang="en-US" altLang="ko-KR" sz="1801" dirty="0"/>
+              <a:t>8</a:t>
+            </a:r>
+            <a:r>
+              <a:rPr lang="ko-KR" altLang="en-US" sz="1801" dirty="0"/>
+              <a:t>시</a:t>
+            </a:r>
+            <a:r>
+              <a:rPr lang="en-US" altLang="ko-KR" sz="1801" dirty="0"/>
+              <a:t>) gender column</a:t>
+            </a:r>
+            <a:r>
+              <a:rPr lang="ko-KR" altLang="en-US" sz="1801" dirty="0"/>
+              <a:t>있는 것을 확인</a:t>
+            </a:r>
+          </a:p>
+        </p:txBody>
+      </p:sp>
+      <p:pic>
+        <p:nvPicPr>
+          <p:cNvPr id="3" name="그림 2" descr="테이블이(가) 표시된 사진&#10;&#10;자동 생성된 설명">
+            <a:extLst>
+              <a:ext uri="{FF2B5EF4-FFF2-40B4-BE49-F238E27FC236}">
+                <a16:creationId xmlns:a16="http://schemas.microsoft.com/office/drawing/2014/main" id="{9B19A4DA-E5F6-4D01-B695-549E7BB64DDB}"/>
+              </a:ext>
+            </a:extLst>
+          </p:cNvPr>
+          <p:cNvPicPr>
+            <a:picLocks noChangeAspect="1"/>
+          </p:cNvPicPr>
+          <p:nvPr/>
+        </p:nvPicPr>
+        <p:blipFill>
+          <a:blip r:embed="rId2">
+            <a:extLst>
+              <a:ext uri="{28A0092B-C50C-407E-A947-70E740481C1C}">
+                <a14:useLocalDpi xmlns:a14="http://schemas.microsoft.com/office/drawing/2010/main" val="0"/>
+              </a:ext>
+            </a:extLst>
+          </a:blip>
+          <a:stretch>
+            <a:fillRect/>
+          </a:stretch>
+        </p:blipFill>
+        <p:spPr>
+          <a:xfrm>
+            <a:off x="1094295" y="3096857"/>
+            <a:ext cx="8742680" cy="2275587"/>
+          </a:xfrm>
+          <a:prstGeom prst="rect">
+            <a:avLst/>
+          </a:prstGeom>
+        </p:spPr>
+      </p:pic>
+      <p:pic>
+        <p:nvPicPr>
+          <p:cNvPr id="8" name="그림 7">
+            <a:extLst>
+              <a:ext uri="{FF2B5EF4-FFF2-40B4-BE49-F238E27FC236}">
+                <a16:creationId xmlns:a16="http://schemas.microsoft.com/office/drawing/2014/main" id="{FED9E480-A404-4799-8D2D-8C00C26F4B8E}"/>
+              </a:ext>
+            </a:extLst>
+          </p:cNvPr>
+          <p:cNvPicPr>
+            <a:picLocks noChangeAspect="1"/>
+          </p:cNvPicPr>
+          <p:nvPr/>
+        </p:nvPicPr>
+        <p:blipFill>
+          <a:blip r:embed="rId3">
+            <a:extLst>
+              <a:ext uri="{28A0092B-C50C-407E-A947-70E740481C1C}">
+                <a14:useLocalDpi xmlns:a14="http://schemas.microsoft.com/office/drawing/2010/main" val="0"/>
+              </a:ext>
+            </a:extLst>
+          </a:blip>
+          <a:stretch>
+            <a:fillRect/>
+          </a:stretch>
+        </p:blipFill>
+        <p:spPr>
+          <a:xfrm>
+            <a:off x="788316" y="2404058"/>
+            <a:ext cx="10615367" cy="369972"/>
+          </a:xfrm>
+          <a:prstGeom prst="rect">
+            <a:avLst/>
+          </a:prstGeom>
+        </p:spPr>
+      </p:pic>
+    </p:spTree>
+    <p:extLst>
+      <p:ext uri="{BB962C8B-B14F-4D97-AF65-F5344CB8AC3E}">
+        <p14:creationId xmlns:p14="http://schemas.microsoft.com/office/powerpoint/2010/main" val="2490747709"/>
+      </p:ext>
+    </p:extLst>
+  </p:cSld>
+  <p:clrMapOvr>
+    <a:masterClrMapping/>
+  </p:clrMapOvr>
+</p:sld>
+</file>
+
+<file path=ppt/slides/slide12.xml><?xml version="1.0" encoding="utf-8"?>
+<p:sld xmlns:a="http://schemas.openxmlformats.org/drawingml/2006/main" xmlns:r="http://schemas.openxmlformats.org/officeDocument/2006/relationships" xmlns:p="http://schemas.openxmlformats.org/presentationml/2006/main">
+  <p:cSld>
+    <p:spTree>
+      <p:nvGrpSpPr>
+        <p:cNvPr id="1" name=""/>
+        <p:cNvGrpSpPr/>
+        <p:nvPr/>
+      </p:nvGrpSpPr>
+      <p:grpSpPr>
+        <a:xfrm>
+          <a:off x="0" y="0"/>
+          <a:ext cx="0" cy="0"/>
+          <a:chOff x="0" y="0"/>
+          <a:chExt cx="0" cy="0"/>
+        </a:xfrm>
+      </p:grpSpPr>
+      <p:sp>
+        <p:nvSpPr>
+          <p:cNvPr id="4" name="TextBox 3">
+            <a:extLst>
+              <a:ext uri="{FF2B5EF4-FFF2-40B4-BE49-F238E27FC236}">
+                <a16:creationId xmlns:a16="http://schemas.microsoft.com/office/drawing/2014/main" id="{8ADC5337-62D1-49AC-8EC3-978755ADED0E}"/>
+              </a:ext>
+            </a:extLst>
+          </p:cNvPr>
+          <p:cNvSpPr txBox="1"/>
+          <p:nvPr/>
+        </p:nvSpPr>
+        <p:spPr>
+          <a:xfrm>
+            <a:off x="367644" y="311085"/>
+            <a:ext cx="5844619" cy="707886"/>
+          </a:xfrm>
+          <a:prstGeom prst="rect">
+            <a:avLst/>
+          </a:prstGeom>
+          <a:noFill/>
+        </p:spPr>
+        <p:txBody>
+          <a:bodyPr wrap="square" rtlCol="0">
+            <a:spAutoFit/>
+          </a:bodyPr>
+          <a:lstStyle/>
+          <a:p>
+            <a:r>
+              <a:rPr lang="ko-KR" altLang="en-US" sz="4000" dirty="0">
+                <a:solidFill>
+                  <a:schemeClr val="accent1"/>
+                </a:solidFill>
+              </a:rPr>
+              <a:t>궁금한 점</a:t>
+            </a:r>
+          </a:p>
+        </p:txBody>
+      </p:sp>
+      <p:sp>
+        <p:nvSpPr>
+          <p:cNvPr id="5" name="TextBox 4">
+            <a:extLst>
+              <a:ext uri="{FF2B5EF4-FFF2-40B4-BE49-F238E27FC236}">
+                <a16:creationId xmlns:a16="http://schemas.microsoft.com/office/drawing/2014/main" id="{981AA9AE-7FB2-47F2-9258-E7D8B456F0C3}"/>
+              </a:ext>
+            </a:extLst>
+          </p:cNvPr>
+          <p:cNvSpPr txBox="1"/>
+          <p:nvPr/>
+        </p:nvSpPr>
+        <p:spPr>
+          <a:xfrm>
+            <a:off x="776147" y="1018975"/>
+            <a:ext cx="11048215" cy="5512086"/>
+          </a:xfrm>
+          <a:prstGeom prst="rect">
+            <a:avLst/>
+          </a:prstGeom>
+          <a:noFill/>
+        </p:spPr>
+        <p:txBody>
+          <a:bodyPr wrap="square" rtlCol="0">
+            <a:spAutoFit/>
+          </a:bodyPr>
+          <a:lstStyle/>
+          <a:p>
+            <a:pPr marL="342904" indent="-342904">
+              <a:lnSpc>
+                <a:spcPct val="250000"/>
+              </a:lnSpc>
+              <a:buAutoNum type="arabicPeriod"/>
+            </a:pPr>
+            <a:r>
+              <a:rPr lang="en-US" altLang="ko-KR" sz="1801" dirty="0"/>
+              <a:t>mysql-error.log, mysql-error-running.log</a:t>
+            </a:r>
+            <a:r>
+              <a:rPr lang="ko-KR" altLang="en-US" sz="1801" dirty="0"/>
+              <a:t>의 차이</a:t>
+            </a:r>
+            <a:endParaRPr lang="en-US" altLang="ko-KR" sz="1801" dirty="0"/>
+          </a:p>
+          <a:p>
+            <a:pPr marL="342904" indent="-342904">
+              <a:lnSpc>
+                <a:spcPct val="250000"/>
+              </a:lnSpc>
+              <a:buAutoNum type="arabicPeriod"/>
+            </a:pPr>
+            <a:r>
+              <a:rPr lang="en-US" altLang="ko-KR" sz="1801" dirty="0"/>
+              <a:t>Aws</a:t>
+            </a:r>
+            <a:r>
+              <a:rPr lang="ko-KR" altLang="en-US" sz="1801" dirty="0"/>
+              <a:t>의 </a:t>
+            </a:r>
+            <a:r>
+              <a:rPr lang="en-US" altLang="ko-KR" sz="1801" dirty="0"/>
+              <a:t>backtrack</a:t>
+            </a:r>
+            <a:r>
+              <a:rPr lang="ko-KR" altLang="en-US" sz="1801" dirty="0"/>
+              <a:t>으로 적절한 복구시점을 찾았다고 하더라도 그 시점 이후의 데이터 </a:t>
+            </a:r>
+            <a:r>
+              <a:rPr lang="en-US" altLang="ko-KR" sz="1801" dirty="0"/>
+              <a:t>insert</a:t>
+            </a:r>
+            <a:r>
+              <a:rPr lang="ko-KR" altLang="en-US" sz="1801" dirty="0"/>
+              <a:t>가 있었더라면 그러한 데이터에 대해서는 어떻게 복구를 하는지</a:t>
+            </a:r>
+            <a:endParaRPr lang="en-US" altLang="ko-KR" sz="1801" dirty="0"/>
+          </a:p>
+          <a:p>
+            <a:pPr marL="342904" indent="-342904">
+              <a:lnSpc>
+                <a:spcPct val="250000"/>
+              </a:lnSpc>
+              <a:buAutoNum type="arabicPeriod"/>
+            </a:pPr>
+            <a:r>
+              <a:rPr lang="en-US" altLang="ko-KR" sz="1801" dirty="0"/>
+              <a:t>show errors;</a:t>
+            </a:r>
+            <a:r>
+              <a:rPr lang="ko-KR" altLang="en-US" sz="1801" dirty="0"/>
+              <a:t>에서 나타나는 오류 메시지는 어느 로그에서 확인 가능한지</a:t>
+            </a:r>
+            <a:endParaRPr lang="en-US" altLang="ko-KR" sz="1801" dirty="0"/>
+          </a:p>
+          <a:p>
+            <a:pPr marL="342904" indent="-342904">
+              <a:lnSpc>
+                <a:spcPct val="250000"/>
+              </a:lnSpc>
+              <a:buAutoNum type="arabicPeriod"/>
+            </a:pPr>
+            <a:r>
+              <a:rPr lang="en-US" altLang="ko-KR" sz="1801" dirty="0"/>
+              <a:t>AWS</a:t>
+            </a:r>
+            <a:r>
+              <a:rPr lang="ko-KR" altLang="en-US" sz="1801" dirty="0"/>
+              <a:t> </a:t>
+            </a:r>
+            <a:r>
+              <a:rPr lang="en-US" altLang="ko-KR" sz="1801" dirty="0"/>
+              <a:t>RDS</a:t>
+            </a:r>
+            <a:r>
+              <a:rPr lang="ko-KR" altLang="en-US" sz="1801" dirty="0"/>
+              <a:t>에서 </a:t>
+            </a:r>
+            <a:r>
+              <a:rPr lang="en-US" altLang="ko-KR" sz="1801" dirty="0"/>
+              <a:t>mysql-error.log</a:t>
+            </a:r>
+            <a:r>
+              <a:rPr lang="ko-KR" altLang="en-US" sz="1801" dirty="0"/>
+              <a:t>를 보았을 때</a:t>
+            </a:r>
+            <a:r>
+              <a:rPr lang="en-US" altLang="ko-KR" sz="1801" dirty="0"/>
+              <a:t>, </a:t>
+            </a:r>
+            <a:r>
+              <a:rPr lang="ko-KR" altLang="en-US" sz="1801" dirty="0" err="1"/>
+              <a:t>쿼리문</a:t>
+            </a:r>
+            <a:r>
+              <a:rPr lang="ko-KR" altLang="en-US" sz="1801" dirty="0"/>
+              <a:t> 에러는 없었는데 </a:t>
+            </a:r>
+            <a:r>
+              <a:rPr lang="en-US" altLang="ko-KR" sz="1801" dirty="0"/>
+              <a:t>mysql-error.log</a:t>
+            </a:r>
+            <a:r>
+              <a:rPr lang="ko-KR" altLang="en-US" sz="1801" dirty="0"/>
+              <a:t>는 어떠한 에러를 저장하는 것인지</a:t>
+            </a:r>
+            <a:endParaRPr lang="en-US" altLang="ko-KR" sz="1801" dirty="0"/>
+          </a:p>
+          <a:p>
+            <a:pPr marL="342904" indent="-342904">
+              <a:lnSpc>
+                <a:spcPct val="250000"/>
+              </a:lnSpc>
+              <a:buAutoNum type="arabicPeriod"/>
+            </a:pPr>
+            <a:r>
+              <a:rPr lang="en-US" altLang="ko-KR" sz="1801" dirty="0"/>
+              <a:t>DB</a:t>
+            </a:r>
+            <a:r>
+              <a:rPr lang="ko-KR" altLang="en-US" sz="1801" dirty="0"/>
+              <a:t> 책임소재를 어떻게 명확하게 하는지</a:t>
+            </a:r>
+            <a:r>
+              <a:rPr lang="en-US" altLang="ko-KR" sz="1801" dirty="0"/>
+              <a:t> ; </a:t>
+            </a:r>
+            <a:r>
+              <a:rPr lang="ko-KR" altLang="en-US" sz="1801" dirty="0"/>
+              <a:t>파트너사가 한 것인지 </a:t>
+            </a:r>
+            <a:r>
+              <a:rPr lang="ko-KR" altLang="en-US" sz="1801" dirty="0" err="1"/>
+              <a:t>우리쪽에서</a:t>
+            </a:r>
+            <a:r>
+              <a:rPr lang="ko-KR" altLang="en-US" sz="1801" dirty="0"/>
+              <a:t> 한 것인지 책임소재 명확히 하는 방법</a:t>
+            </a:r>
+            <a:endParaRPr lang="en-US" altLang="ko-KR" sz="1801" dirty="0"/>
+          </a:p>
+        </p:txBody>
+      </p:sp>
+    </p:spTree>
+    <p:extLst>
+      <p:ext uri="{BB962C8B-B14F-4D97-AF65-F5344CB8AC3E}">
+        <p14:creationId xmlns:p14="http://schemas.microsoft.com/office/powerpoint/2010/main" val="446456952"/>
+      </p:ext>
+    </p:extLst>
+  </p:cSld>
+  <p:clrMapOvr>
+    <a:masterClrMapping/>
+  </p:clrMapOvr>
+</p:sld>
+</file>
+
 <file path=ppt/slides/slide2.xml><?xml version="1.0" encoding="utf-8"?>
 <p:sld xmlns:a="http://schemas.openxmlformats.org/drawingml/2006/main" xmlns:r="http://schemas.openxmlformats.org/officeDocument/2006/relationships" xmlns:p="http://schemas.openxmlformats.org/presentationml/2006/main">
   <p:cSld>
@@ -3424,154 +4094,64 @@
       </p:grpSpPr>
       <p:sp>
         <p:nvSpPr>
-          <p:cNvPr id="4" name="TextBox 3">
-            <a:extLst>
-              <a:ext uri="{FF2B5EF4-FFF2-40B4-BE49-F238E27FC236}">
-                <a16:creationId xmlns:a16="http://schemas.microsoft.com/office/drawing/2014/main" id="{8ADC5337-62D1-49AC-8EC3-978755ADED0E}"/>
-              </a:ext>
-            </a:extLst>
-          </p:cNvPr>
-          <p:cNvSpPr txBox="1"/>
-          <p:nvPr/>
-        </p:nvSpPr>
-        <p:spPr>
-          <a:xfrm>
-            <a:off x="367645" y="311085"/>
-            <a:ext cx="3205114" cy="707886"/>
-          </a:xfrm>
-          <a:prstGeom prst="rect">
-            <a:avLst/>
-          </a:prstGeom>
-          <a:noFill/>
-        </p:spPr>
-        <p:txBody>
-          <a:bodyPr wrap="square" rtlCol="0">
-            <a:spAutoFit/>
-          </a:bodyPr>
-          <a:lstStyle/>
-          <a:p>
-            <a:r>
-              <a:rPr lang="ko-KR" altLang="en-US" sz="4000" dirty="0">
-                <a:solidFill>
-                  <a:schemeClr val="accent1"/>
-                </a:solidFill>
-              </a:rPr>
-              <a:t>문제 정의</a:t>
-            </a:r>
-          </a:p>
-        </p:txBody>
-      </p:sp>
-      <p:sp>
-        <p:nvSpPr>
-          <p:cNvPr id="5" name="TextBox 4">
-            <a:extLst>
-              <a:ext uri="{FF2B5EF4-FFF2-40B4-BE49-F238E27FC236}">
-                <a16:creationId xmlns:a16="http://schemas.microsoft.com/office/drawing/2014/main" id="{981AA9AE-7FB2-47F2-9258-E7D8B456F0C3}"/>
-              </a:ext>
-            </a:extLst>
-          </p:cNvPr>
-          <p:cNvSpPr txBox="1"/>
-          <p:nvPr/>
-        </p:nvSpPr>
-        <p:spPr>
-          <a:xfrm>
-            <a:off x="820131" y="1498862"/>
-            <a:ext cx="11048215" cy="369332"/>
-          </a:xfrm>
-          <a:prstGeom prst="rect">
-            <a:avLst/>
-          </a:prstGeom>
-          <a:noFill/>
-        </p:spPr>
-        <p:txBody>
-          <a:bodyPr wrap="square" rtlCol="0">
-            <a:spAutoFit/>
-          </a:bodyPr>
-          <a:lstStyle/>
-          <a:p>
-            <a:r>
-              <a:rPr lang="en-US" altLang="ko-KR" dirty="0" err="1"/>
-              <a:t>Rec_cust</a:t>
-            </a:r>
+          <p:cNvPr id="2" name="제목 1">
+            <a:extLst>
+              <a:ext uri="{FF2B5EF4-FFF2-40B4-BE49-F238E27FC236}">
+                <a16:creationId xmlns:a16="http://schemas.microsoft.com/office/drawing/2014/main" id="{2E367DD5-B1B3-4777-B97E-1329CF474FA2}"/>
+              </a:ext>
+            </a:extLst>
+          </p:cNvPr>
+          <p:cNvSpPr>
+            <a:spLocks noGrp="1"/>
+          </p:cNvSpPr>
+          <p:nvPr>
+            <p:ph type="ctrTitle"/>
+          </p:nvPr>
+        </p:nvSpPr>
+        <p:spPr/>
+        <p:txBody>
+          <a:bodyPr/>
+          <a:lstStyle/>
+          <a:p>
             <a:r>
               <a:rPr lang="ko-KR" altLang="en-US" dirty="0"/>
-              <a:t> </a:t>
-            </a:r>
-            <a:r>
-              <a:rPr lang="en-US" altLang="ko-KR" dirty="0"/>
-              <a:t>table</a:t>
-            </a:r>
+              <a:t>팀장 보고</a:t>
+            </a:r>
+          </a:p>
+        </p:txBody>
+      </p:sp>
+      <p:sp>
+        <p:nvSpPr>
+          <p:cNvPr id="3" name="부제목 2">
+            <a:extLst>
+              <a:ext uri="{FF2B5EF4-FFF2-40B4-BE49-F238E27FC236}">
+                <a16:creationId xmlns:a16="http://schemas.microsoft.com/office/drawing/2014/main" id="{D01840CB-C1E0-497B-8C5E-983486554C65}"/>
+              </a:ext>
+            </a:extLst>
+          </p:cNvPr>
+          <p:cNvSpPr>
+            <a:spLocks noGrp="1"/>
+          </p:cNvSpPr>
+          <p:nvPr>
+            <p:ph type="subTitle" idx="1"/>
+          </p:nvPr>
+        </p:nvSpPr>
+        <p:spPr/>
+        <p:txBody>
+          <a:bodyPr/>
+          <a:lstStyle/>
+          <a:p>
             <a:r>
               <a:rPr lang="ko-KR" altLang="en-US" dirty="0"/>
-              <a:t>에 </a:t>
-            </a:r>
-            <a:r>
-              <a:rPr lang="en-US" altLang="ko-KR" dirty="0"/>
-              <a:t>insert</a:t>
-            </a:r>
-            <a:r>
-              <a:rPr lang="ko-KR" altLang="en-US" dirty="0"/>
-              <a:t>를 시도하였으나</a:t>
-            </a:r>
-            <a:r>
-              <a:rPr lang="en-US" altLang="ko-KR" dirty="0"/>
-              <a:t>, ‘gender’</a:t>
-            </a:r>
-            <a:r>
-              <a:rPr lang="ko-KR" altLang="en-US" dirty="0"/>
-              <a:t>이 없다는 에러를 보이며 </a:t>
-            </a:r>
-            <a:r>
-              <a:rPr lang="en-US" altLang="ko-KR" dirty="0"/>
-              <a:t>insert</a:t>
-            </a:r>
-            <a:r>
-              <a:rPr lang="ko-KR" altLang="en-US" dirty="0"/>
-              <a:t>가 되지 않는 문제 발생</a:t>
-            </a:r>
-          </a:p>
-        </p:txBody>
-      </p:sp>
-      <p:pic>
-        <p:nvPicPr>
-          <p:cNvPr id="7" name="그림 6">
-            <a:extLst>
-              <a:ext uri="{FF2B5EF4-FFF2-40B4-BE49-F238E27FC236}">
-                <a16:creationId xmlns:a16="http://schemas.microsoft.com/office/drawing/2014/main" id="{ACA2C02F-20F3-4265-B9CB-E4B14BABCDB4}"/>
-              </a:ext>
-            </a:extLst>
-          </p:cNvPr>
-          <p:cNvPicPr>
-            <a:picLocks noChangeAspect="1"/>
-          </p:cNvPicPr>
-          <p:nvPr/>
-        </p:nvPicPr>
-        <p:blipFill>
-          <a:blip r:embed="rId2">
-            <a:extLst>
-              <a:ext uri="{28A0092B-C50C-407E-A947-70E740481C1C}">
-                <a14:useLocalDpi xmlns:a14="http://schemas.microsoft.com/office/drawing/2010/main" val="0"/>
-              </a:ext>
-            </a:extLst>
-          </a:blip>
-          <a:stretch>
-            <a:fillRect/>
-          </a:stretch>
-        </p:blipFill>
-        <p:spPr>
-          <a:xfrm>
-            <a:off x="1213463" y="2809998"/>
-            <a:ext cx="9765074" cy="2364637"/>
-          </a:xfrm>
-          <a:prstGeom prst="rect">
-            <a:avLst/>
-          </a:prstGeom>
-        </p:spPr>
-      </p:pic>
+              <a:t>자유 양식</a:t>
+            </a:r>
+          </a:p>
+        </p:txBody>
+      </p:sp>
     </p:spTree>
     <p:extLst>
       <p:ext uri="{BB962C8B-B14F-4D97-AF65-F5344CB8AC3E}">
-        <p14:creationId xmlns:p14="http://schemas.microsoft.com/office/powerpoint/2010/main" val="1495637389"/>
+        <p14:creationId xmlns:p14="http://schemas.microsoft.com/office/powerpoint/2010/main" val="1059911488"/>
       </p:ext>
     </p:extLst>
   </p:cSld>
@@ -3612,7 +4192,188 @@
         </p:nvSpPr>
         <p:spPr>
           <a:xfrm>
-            <a:off x="367644" y="311085"/>
+            <a:off x="367649" y="311086"/>
+            <a:ext cx="3205115" cy="707886"/>
+          </a:xfrm>
+          <a:prstGeom prst="rect">
+            <a:avLst/>
+          </a:prstGeom>
+          <a:noFill/>
+        </p:spPr>
+        <p:txBody>
+          <a:bodyPr wrap="square" rtlCol="0">
+            <a:spAutoFit/>
+          </a:bodyPr>
+          <a:lstStyle/>
+          <a:p>
+            <a:r>
+              <a:rPr lang="ko-KR" altLang="en-US" sz="4000" dirty="0">
+                <a:solidFill>
+                  <a:schemeClr val="accent1"/>
+                </a:solidFill>
+              </a:rPr>
+              <a:t>문제 정의</a:t>
+            </a:r>
+          </a:p>
+        </p:txBody>
+      </p:sp>
+      <p:sp>
+        <p:nvSpPr>
+          <p:cNvPr id="5" name="TextBox 4">
+            <a:extLst>
+              <a:ext uri="{FF2B5EF4-FFF2-40B4-BE49-F238E27FC236}">
+                <a16:creationId xmlns:a16="http://schemas.microsoft.com/office/drawing/2014/main" id="{981AA9AE-7FB2-47F2-9258-E7D8B456F0C3}"/>
+              </a:ext>
+            </a:extLst>
+          </p:cNvPr>
+          <p:cNvSpPr txBox="1"/>
+          <p:nvPr/>
+        </p:nvSpPr>
+        <p:spPr>
+          <a:xfrm>
+            <a:off x="1404594" y="1683368"/>
+            <a:ext cx="8644380" cy="646587"/>
+          </a:xfrm>
+          <a:prstGeom prst="rect">
+            <a:avLst/>
+          </a:prstGeom>
+          <a:noFill/>
+        </p:spPr>
+        <p:txBody>
+          <a:bodyPr wrap="square" rtlCol="0">
+            <a:spAutoFit/>
+          </a:bodyPr>
+          <a:lstStyle/>
+          <a:p>
+            <a:r>
+              <a:rPr lang="en-US" altLang="ko-KR" sz="1801" dirty="0" err="1"/>
+              <a:t>Rec_cust</a:t>
+            </a:r>
+            <a:r>
+              <a:rPr lang="ko-KR" altLang="en-US" sz="1801" dirty="0"/>
+              <a:t> </a:t>
+            </a:r>
+            <a:r>
+              <a:rPr lang="en-US" altLang="ko-KR" sz="1801" dirty="0"/>
+              <a:t>table</a:t>
+            </a:r>
+            <a:r>
+              <a:rPr lang="ko-KR" altLang="en-US" sz="1801" dirty="0"/>
+              <a:t>에 </a:t>
+            </a:r>
+            <a:r>
+              <a:rPr lang="en-US" altLang="ko-KR" sz="1801" dirty="0"/>
+              <a:t>insert</a:t>
+            </a:r>
+            <a:r>
+              <a:rPr lang="ko-KR" altLang="en-US" sz="1801" dirty="0"/>
+              <a:t>를 시도하였으나</a:t>
+            </a:r>
+            <a:r>
+              <a:rPr lang="en-US" altLang="ko-KR" sz="1801" dirty="0"/>
+              <a:t>, ‘gender’</a:t>
+            </a:r>
+            <a:r>
+              <a:rPr lang="ko-KR" altLang="en-US" sz="1801" dirty="0"/>
+              <a:t>이 없다는 에러를 보이며 </a:t>
+            </a:r>
+            <a:r>
+              <a:rPr lang="en-US" altLang="ko-KR" sz="1801" dirty="0"/>
+              <a:t>insert</a:t>
+            </a:r>
+            <a:r>
+              <a:rPr lang="ko-KR" altLang="en-US" sz="1801" dirty="0"/>
+              <a:t>가 되지 않는 문제가 발생했습니다</a:t>
+            </a:r>
+            <a:r>
+              <a:rPr lang="en-US" altLang="ko-KR" sz="1801" dirty="0"/>
+              <a:t>.</a:t>
+            </a:r>
+            <a:endParaRPr lang="ko-KR" altLang="en-US" sz="1801" dirty="0"/>
+          </a:p>
+        </p:txBody>
+      </p:sp>
+      <p:pic>
+        <p:nvPicPr>
+          <p:cNvPr id="7" name="그림 6">
+            <a:extLst>
+              <a:ext uri="{FF2B5EF4-FFF2-40B4-BE49-F238E27FC236}">
+                <a16:creationId xmlns:a16="http://schemas.microsoft.com/office/drawing/2014/main" id="{ACA2C02F-20F3-4265-B9CB-E4B14BABCDB4}"/>
+              </a:ext>
+            </a:extLst>
+          </p:cNvPr>
+          <p:cNvPicPr>
+            <a:picLocks noChangeAspect="1"/>
+          </p:cNvPicPr>
+          <p:nvPr/>
+        </p:nvPicPr>
+        <p:blipFill>
+          <a:blip r:embed="rId2">
+            <a:extLst>
+              <a:ext uri="{28A0092B-C50C-407E-A947-70E740481C1C}">
+                <a14:useLocalDpi xmlns:a14="http://schemas.microsoft.com/office/drawing/2010/main" val="0"/>
+              </a:ext>
+            </a:extLst>
+          </a:blip>
+          <a:stretch>
+            <a:fillRect/>
+          </a:stretch>
+        </p:blipFill>
+        <p:spPr>
+          <a:xfrm>
+            <a:off x="1213463" y="2809999"/>
+            <a:ext cx="9765074" cy="2364636"/>
+          </a:xfrm>
+          <a:prstGeom prst="rect">
+            <a:avLst/>
+          </a:prstGeom>
+        </p:spPr>
+      </p:pic>
+    </p:spTree>
+    <p:extLst>
+      <p:ext uri="{BB962C8B-B14F-4D97-AF65-F5344CB8AC3E}">
+        <p14:creationId xmlns:p14="http://schemas.microsoft.com/office/powerpoint/2010/main" val="1495637389"/>
+      </p:ext>
+    </p:extLst>
+  </p:cSld>
+  <p:clrMapOvr>
+    <a:masterClrMapping/>
+  </p:clrMapOvr>
+</p:sld>
+</file>
+
+<file path=ppt/slides/slide4.xml><?xml version="1.0" encoding="utf-8"?>
+<p:sld xmlns:a="http://schemas.openxmlformats.org/drawingml/2006/main" xmlns:r="http://schemas.openxmlformats.org/officeDocument/2006/relationships" xmlns:p="http://schemas.openxmlformats.org/presentationml/2006/main">
+  <p:cSld>
+    <p:spTree>
+      <p:nvGrpSpPr>
+        <p:cNvPr id="1" name=""/>
+        <p:cNvGrpSpPr/>
+        <p:nvPr/>
+      </p:nvGrpSpPr>
+      <p:grpSpPr>
+        <a:xfrm>
+          <a:off x="0" y="0"/>
+          <a:ext cx="0" cy="0"/>
+          <a:chOff x="0" y="0"/>
+          <a:chExt cx="0" cy="0"/>
+        </a:xfrm>
+      </p:grpSpPr>
+      <p:sp>
+        <p:nvSpPr>
+          <p:cNvPr id="4" name="TextBox 3">
+            <a:extLst>
+              <a:ext uri="{FF2B5EF4-FFF2-40B4-BE49-F238E27FC236}">
+                <a16:creationId xmlns:a16="http://schemas.microsoft.com/office/drawing/2014/main" id="{8ADC5337-62D1-49AC-8EC3-978755ADED0E}"/>
+              </a:ext>
+            </a:extLst>
+          </p:cNvPr>
+          <p:cNvSpPr txBox="1"/>
+          <p:nvPr/>
+        </p:nvSpPr>
+        <p:spPr>
+          <a:xfrm>
+            <a:off x="367644" y="311086"/>
             <a:ext cx="5844619" cy="707886"/>
           </a:xfrm>
           <a:prstGeom prst="rect">
@@ -3672,8 +4433,8 @@
         </p:nvSpPr>
         <p:spPr>
           <a:xfrm>
-            <a:off x="820131" y="1225485"/>
-            <a:ext cx="11048215" cy="369332"/>
+            <a:off x="223107" y="1286224"/>
+            <a:ext cx="11745797" cy="369460"/>
           </a:xfrm>
           <a:prstGeom prst="rect">
             <a:avLst/>
@@ -3687,37 +4448,54 @@
           <a:lstStyle/>
           <a:p>
             <a:r>
-              <a:rPr lang="ko-KR" altLang="en-US" dirty="0"/>
+              <a:rPr lang="ko-KR" altLang="en-US" sz="1801" dirty="0"/>
               <a:t>문제가 발생한 </a:t>
             </a:r>
             <a:r>
-              <a:rPr lang="en-US" altLang="ko-KR" dirty="0" err="1"/>
+              <a:rPr lang="en-US" altLang="ko-KR" sz="1801" dirty="0" err="1"/>
               <a:t>rec_cust</a:t>
             </a:r>
             <a:r>
-              <a:rPr lang="ko-KR" altLang="en-US" dirty="0"/>
+              <a:rPr lang="ko-KR" altLang="en-US" sz="1801" dirty="0"/>
               <a:t>의 </a:t>
             </a:r>
             <a:r>
-              <a:rPr lang="en-US" altLang="ko-KR" dirty="0"/>
+              <a:rPr lang="en-US" altLang="ko-KR" sz="1801" dirty="0"/>
               <a:t>gender</a:t>
             </a:r>
             <a:r>
-              <a:rPr lang="ko-KR" altLang="en-US" dirty="0"/>
-              <a:t>위주로 로그 확인 </a:t>
-            </a:r>
-            <a:r>
-              <a:rPr lang="en-US" altLang="ko-KR" dirty="0"/>
-              <a:t>: </a:t>
-            </a:r>
-            <a:r>
-              <a:rPr lang="en-US" altLang="ko-KR" dirty="0" err="1"/>
-              <a:t>rec_cust</a:t>
-            </a:r>
-            <a:r>
-              <a:rPr lang="ko-KR" altLang="en-US" dirty="0"/>
-              <a:t>의 전체 보기 </a:t>
-            </a:r>
+              <a:rPr lang="ko-KR" altLang="en-US" sz="1801" dirty="0"/>
+              <a:t>위주로 결과 확인을 하였으나</a:t>
+            </a:r>
+            <a:r>
+              <a:rPr lang="en-US" altLang="ko-KR" sz="1801" dirty="0"/>
+              <a:t>, </a:t>
+            </a:r>
+            <a:r>
+              <a:rPr lang="ko-KR" altLang="en-US" sz="1801" dirty="0"/>
+              <a:t>밑처럼 현재 </a:t>
+            </a:r>
+            <a:r>
+              <a:rPr lang="en-US" altLang="ko-KR" sz="1801" dirty="0"/>
+              <a:t>gender</a:t>
+            </a:r>
+            <a:r>
+              <a:rPr lang="ko-KR" altLang="en-US" sz="1801" dirty="0"/>
+              <a:t> </a:t>
+            </a:r>
+            <a:r>
+              <a:rPr lang="en-US" altLang="ko-KR" sz="1801" dirty="0"/>
+              <a:t>column</a:t>
+            </a:r>
+            <a:r>
+              <a:rPr lang="ko-KR" altLang="en-US" sz="1801" dirty="0"/>
+              <a:t>이 없는 상태입니다</a:t>
+            </a:r>
+            <a:r>
+              <a:rPr lang="en-US" altLang="ko-KR" sz="1801" dirty="0"/>
+              <a:t>.</a:t>
+            </a:r>
+            <a:endParaRPr lang="ko-KR" altLang="en-US" sz="1801" dirty="0"/>
           </a:p>
         </p:txBody>
       </p:sp>
@@ -3749,8 +4527,8 @@
         </p:blipFill>
         <p:spPr>
           <a:xfrm>
-            <a:off x="557615" y="3917320"/>
-            <a:ext cx="8592530" cy="2498127"/>
+            <a:off x="557616" y="3917322"/>
+            <a:ext cx="8592530" cy="2498126"/>
           </a:xfrm>
           <a:prstGeom prst="rect">
             <a:avLst/>
@@ -3785,7 +4563,7 @@
         </p:blipFill>
         <p:spPr>
           <a:xfrm>
-            <a:off x="527900" y="1801331"/>
+            <a:off x="527900" y="1801332"/>
             <a:ext cx="8651961" cy="1743147"/>
           </a:xfrm>
           <a:prstGeom prst="rect">
@@ -3807,8 +4585,8 @@
         </p:nvSpPr>
         <p:spPr>
           <a:xfrm>
-            <a:off x="7405361" y="3429000"/>
-            <a:ext cx="4786639" cy="369332"/>
+            <a:off x="7405362" y="3429004"/>
+            <a:ext cx="4786638" cy="369460"/>
           </a:xfrm>
           <a:prstGeom prst="rect">
             <a:avLst/>
@@ -3822,23 +4600,23 @@
           <a:lstStyle/>
           <a:p>
             <a:r>
-              <a:rPr lang="ko-KR" altLang="en-US" dirty="0"/>
+              <a:rPr lang="ko-KR" altLang="en-US" sz="1801" dirty="0"/>
               <a:t>문제 발생 전 </a:t>
             </a:r>
             <a:r>
-              <a:rPr lang="en-US" altLang="ko-KR" dirty="0" err="1"/>
+              <a:rPr lang="en-US" altLang="ko-KR" sz="1801" dirty="0" err="1"/>
               <a:t>rec_cust</a:t>
             </a:r>
             <a:r>
-              <a:rPr lang="ko-KR" altLang="en-US" dirty="0"/>
+              <a:rPr lang="ko-KR" altLang="en-US" sz="1801" dirty="0"/>
               <a:t>의 형태 </a:t>
             </a:r>
             <a:r>
-              <a:rPr lang="en-US" altLang="ko-KR" dirty="0"/>
+              <a:rPr lang="en-US" altLang="ko-KR" sz="1801" dirty="0"/>
               <a:t>: gender </a:t>
             </a:r>
             <a:r>
-              <a:rPr lang="ko-KR" altLang="en-US" dirty="0"/>
+              <a:rPr lang="ko-KR" altLang="en-US" sz="1801" dirty="0"/>
               <a:t>존재</a:t>
             </a:r>
           </a:p>
@@ -3858,8 +4636,8 @@
         </p:nvSpPr>
         <p:spPr>
           <a:xfrm>
-            <a:off x="7405361" y="6415447"/>
-            <a:ext cx="4786639" cy="369332"/>
+            <a:off x="7405362" y="6415452"/>
+            <a:ext cx="4786638" cy="369460"/>
           </a:xfrm>
           <a:prstGeom prst="rect">
             <a:avLst/>
@@ -3873,23 +4651,23 @@
           <a:lstStyle/>
           <a:p>
             <a:r>
-              <a:rPr lang="ko-KR" altLang="en-US" dirty="0"/>
+              <a:rPr lang="ko-KR" altLang="en-US" sz="1801" dirty="0"/>
               <a:t>문제 발생 후 </a:t>
             </a:r>
             <a:r>
-              <a:rPr lang="en-US" altLang="ko-KR" dirty="0" err="1"/>
+              <a:rPr lang="en-US" altLang="ko-KR" sz="1801" dirty="0" err="1"/>
               <a:t>rec_cust</a:t>
             </a:r>
             <a:r>
-              <a:rPr lang="ko-KR" altLang="en-US" dirty="0"/>
+              <a:rPr lang="ko-KR" altLang="en-US" sz="1801" dirty="0"/>
               <a:t>의 형태 </a:t>
             </a:r>
             <a:r>
-              <a:rPr lang="en-US" altLang="ko-KR" dirty="0"/>
+              <a:rPr lang="en-US" altLang="ko-KR" sz="1801" dirty="0"/>
               <a:t>: gender </a:t>
             </a:r>
             <a:r>
-              <a:rPr lang="ko-KR" altLang="en-US" dirty="0"/>
+              <a:rPr lang="ko-KR" altLang="en-US" sz="1801" dirty="0"/>
               <a:t>없음</a:t>
             </a:r>
           </a:p>
@@ -3909,7 +4687,7 @@
         </p:nvSpPr>
         <p:spPr>
           <a:xfrm>
-            <a:off x="2338397" y="2663477"/>
+            <a:off x="2338403" y="2663476"/>
             <a:ext cx="735291" cy="756096"/>
           </a:xfrm>
           <a:prstGeom prst="rect">
@@ -3945,7 +4723,7 @@
           <a:lstStyle/>
           <a:p>
             <a:pPr algn="ctr"/>
-            <a:endParaRPr lang="ko-KR" altLang="en-US"/>
+            <a:endParaRPr lang="ko-KR" altLang="en-US" sz="1801"/>
           </a:p>
         </p:txBody>
       </p:sp>
@@ -3953,337 +4731,6 @@
     <p:extLst>
       <p:ext uri="{BB962C8B-B14F-4D97-AF65-F5344CB8AC3E}">
         <p14:creationId xmlns:p14="http://schemas.microsoft.com/office/powerpoint/2010/main" val="2877891817"/>
-      </p:ext>
-    </p:extLst>
-  </p:cSld>
-  <p:clrMapOvr>
-    <a:masterClrMapping/>
-  </p:clrMapOvr>
-</p:sld>
-</file>
-
-<file path=ppt/slides/slide4.xml><?xml version="1.0" encoding="utf-8"?>
-<p:sld xmlns:a="http://schemas.openxmlformats.org/drawingml/2006/main" xmlns:r="http://schemas.openxmlformats.org/officeDocument/2006/relationships" xmlns:p="http://schemas.openxmlformats.org/presentationml/2006/main">
-  <p:cSld>
-    <p:spTree>
-      <p:nvGrpSpPr>
-        <p:cNvPr id="1" name=""/>
-        <p:cNvGrpSpPr/>
-        <p:nvPr/>
-      </p:nvGrpSpPr>
-      <p:grpSpPr>
-        <a:xfrm>
-          <a:off x="0" y="0"/>
-          <a:ext cx="0" cy="0"/>
-          <a:chOff x="0" y="0"/>
-          <a:chExt cx="0" cy="0"/>
-        </a:xfrm>
-      </p:grpSpPr>
-      <p:sp>
-        <p:nvSpPr>
-          <p:cNvPr id="4" name="TextBox 3">
-            <a:extLst>
-              <a:ext uri="{FF2B5EF4-FFF2-40B4-BE49-F238E27FC236}">
-                <a16:creationId xmlns:a16="http://schemas.microsoft.com/office/drawing/2014/main" id="{8ADC5337-62D1-49AC-8EC3-978755ADED0E}"/>
-              </a:ext>
-            </a:extLst>
-          </p:cNvPr>
-          <p:cNvSpPr txBox="1"/>
-          <p:nvPr/>
-        </p:nvSpPr>
-        <p:spPr>
-          <a:xfrm>
-            <a:off x="367644" y="311085"/>
-            <a:ext cx="5844619" cy="707886"/>
-          </a:xfrm>
-          <a:prstGeom prst="rect">
-            <a:avLst/>
-          </a:prstGeom>
-          <a:noFill/>
-        </p:spPr>
-        <p:txBody>
-          <a:bodyPr wrap="square" rtlCol="0">
-            <a:spAutoFit/>
-          </a:bodyPr>
-          <a:lstStyle/>
-          <a:p>
-            <a:r>
-              <a:rPr lang="ko-KR" altLang="en-US" sz="4000">
-                <a:solidFill>
-                  <a:schemeClr val="accent1"/>
-                </a:solidFill>
-              </a:rPr>
-              <a:t>원인 분석 </a:t>
-            </a:r>
-            <a:r>
-              <a:rPr lang="en-US" altLang="ko-KR" sz="4000">
-                <a:solidFill>
-                  <a:schemeClr val="accent1"/>
-                </a:solidFill>
-              </a:rPr>
-              <a:t>: </a:t>
-            </a:r>
-            <a:r>
-              <a:rPr lang="ko-KR" altLang="en-US" sz="4000">
-                <a:solidFill>
-                  <a:schemeClr val="accent1"/>
-                </a:solidFill>
-              </a:rPr>
-              <a:t>사실 수집</a:t>
-            </a:r>
-            <a:endParaRPr lang="ko-KR" altLang="en-US" sz="4000" dirty="0">
-              <a:solidFill>
-                <a:schemeClr val="accent1"/>
-              </a:solidFill>
-            </a:endParaRPr>
-          </a:p>
-        </p:txBody>
-      </p:sp>
-      <p:sp>
-        <p:nvSpPr>
-          <p:cNvPr id="5" name="TextBox 4">
-            <a:extLst>
-              <a:ext uri="{FF2B5EF4-FFF2-40B4-BE49-F238E27FC236}">
-                <a16:creationId xmlns:a16="http://schemas.microsoft.com/office/drawing/2014/main" id="{981AA9AE-7FB2-47F2-9258-E7D8B456F0C3}"/>
-              </a:ext>
-            </a:extLst>
-          </p:cNvPr>
-          <p:cNvSpPr txBox="1"/>
-          <p:nvPr/>
-        </p:nvSpPr>
-        <p:spPr>
-          <a:xfrm>
-            <a:off x="820131" y="1225485"/>
-            <a:ext cx="11048215" cy="369332"/>
-          </a:xfrm>
-          <a:prstGeom prst="rect">
-            <a:avLst/>
-          </a:prstGeom>
-          <a:noFill/>
-        </p:spPr>
-        <p:txBody>
-          <a:bodyPr wrap="square" rtlCol="0">
-            <a:spAutoFit/>
-          </a:bodyPr>
-          <a:lstStyle/>
-          <a:p>
-            <a:r>
-              <a:rPr lang="ko-KR" altLang="en-US" dirty="0"/>
-              <a:t>문제가 발생한 </a:t>
-            </a:r>
-            <a:r>
-              <a:rPr lang="en-US" altLang="ko-KR" dirty="0" err="1"/>
-              <a:t>rec_cust</a:t>
-            </a:r>
-            <a:r>
-              <a:rPr lang="ko-KR" altLang="en-US" dirty="0"/>
-              <a:t>의 </a:t>
-            </a:r>
-            <a:r>
-              <a:rPr lang="en-US" altLang="ko-KR" dirty="0"/>
-              <a:t>gender</a:t>
-            </a:r>
-            <a:r>
-              <a:rPr lang="ko-KR" altLang="en-US" dirty="0"/>
-              <a:t>위주로 로그 확인 </a:t>
-            </a:r>
-            <a:r>
-              <a:rPr lang="en-US" altLang="ko-KR" dirty="0"/>
-              <a:t>: </a:t>
-            </a:r>
-            <a:r>
-              <a:rPr lang="en-US" altLang="ko-KR" dirty="0" err="1"/>
-              <a:t>rec_cust</a:t>
-            </a:r>
-            <a:r>
-              <a:rPr lang="ko-KR" altLang="en-US" dirty="0"/>
-              <a:t>내에 </a:t>
-            </a:r>
-            <a:r>
-              <a:rPr lang="en-US" altLang="ko-KR" dirty="0"/>
-              <a:t>gender column</a:t>
-            </a:r>
-            <a:r>
-              <a:rPr lang="ko-KR" altLang="en-US" dirty="0"/>
-              <a:t>있는지 확인</a:t>
-            </a:r>
-            <a:r>
-              <a:rPr lang="en-US" altLang="ko-KR" dirty="0"/>
-              <a:t> </a:t>
-            </a:r>
-            <a:r>
-              <a:rPr lang="ko-KR" altLang="en-US" dirty="0"/>
-              <a:t> </a:t>
-            </a:r>
-          </a:p>
-        </p:txBody>
-      </p:sp>
-      <p:sp>
-        <p:nvSpPr>
-          <p:cNvPr id="14" name="TextBox 13">
-            <a:extLst>
-              <a:ext uri="{FF2B5EF4-FFF2-40B4-BE49-F238E27FC236}">
-                <a16:creationId xmlns:a16="http://schemas.microsoft.com/office/drawing/2014/main" id="{980FF2A1-C865-4A72-9926-FBC79FB953DB}"/>
-              </a:ext>
-            </a:extLst>
-          </p:cNvPr>
-          <p:cNvSpPr txBox="1"/>
-          <p:nvPr/>
-        </p:nvSpPr>
-        <p:spPr>
-          <a:xfrm>
-            <a:off x="1673766" y="4218219"/>
-            <a:ext cx="2896084" cy="369332"/>
-          </a:xfrm>
-          <a:prstGeom prst="rect">
-            <a:avLst/>
-          </a:prstGeom>
-          <a:noFill/>
-        </p:spPr>
-        <p:txBody>
-          <a:bodyPr wrap="square" rtlCol="0">
-            <a:spAutoFit/>
-          </a:bodyPr>
-          <a:lstStyle/>
-          <a:p>
-            <a:r>
-              <a:rPr lang="en-US" altLang="ko-KR" dirty="0" err="1"/>
-              <a:t>Rec_cust</a:t>
-            </a:r>
-            <a:r>
-              <a:rPr lang="en-US" altLang="ko-KR" dirty="0"/>
-              <a:t> </a:t>
-            </a:r>
-            <a:r>
-              <a:rPr lang="ko-KR" altLang="en-US" dirty="0"/>
-              <a:t>내의 </a:t>
-            </a:r>
-            <a:r>
-              <a:rPr lang="en-US" altLang="ko-KR" dirty="0"/>
-              <a:t>gender</a:t>
-            </a:r>
-            <a:r>
-              <a:rPr lang="ko-KR" altLang="en-US" dirty="0"/>
-              <a:t>없음</a:t>
-            </a:r>
-          </a:p>
-        </p:txBody>
-      </p:sp>
-      <p:pic>
-        <p:nvPicPr>
-          <p:cNvPr id="10" name="그림 9" descr="텍스트이(가) 표시된 사진&#10;&#10;자동 생성된 설명">
-            <a:extLst>
-              <a:ext uri="{FF2B5EF4-FFF2-40B4-BE49-F238E27FC236}">
-                <a16:creationId xmlns:a16="http://schemas.microsoft.com/office/drawing/2014/main" id="{697E8407-164A-4A0F-B8A1-71CF3D642ACB}"/>
-              </a:ext>
-            </a:extLst>
-          </p:cNvPr>
-          <p:cNvPicPr>
-            <a:picLocks noChangeAspect="1"/>
-          </p:cNvPicPr>
-          <p:nvPr/>
-        </p:nvPicPr>
-        <p:blipFill>
-          <a:blip r:embed="rId2">
-            <a:extLst>
-              <a:ext uri="{28A0092B-C50C-407E-A947-70E740481C1C}">
-                <a14:useLocalDpi xmlns:a14="http://schemas.microsoft.com/office/drawing/2010/main" val="0"/>
-              </a:ext>
-            </a:extLst>
-          </a:blip>
-          <a:stretch>
-            <a:fillRect/>
-          </a:stretch>
-        </p:blipFill>
-        <p:spPr>
-          <a:xfrm>
-            <a:off x="516338" y="2022270"/>
-            <a:ext cx="5547229" cy="2195949"/>
-          </a:xfrm>
-          <a:prstGeom prst="rect">
-            <a:avLst/>
-          </a:prstGeom>
-        </p:spPr>
-      </p:pic>
-      <p:pic>
-        <p:nvPicPr>
-          <p:cNvPr id="3" name="그림 2" descr="텍스트이(가) 표시된 사진&#10;&#10;자동 생성된 설명">
-            <a:extLst>
-              <a:ext uri="{FF2B5EF4-FFF2-40B4-BE49-F238E27FC236}">
-                <a16:creationId xmlns:a16="http://schemas.microsoft.com/office/drawing/2014/main" id="{EE5FC50B-A93A-4B05-B8F1-ABB12C6F59B1}"/>
-              </a:ext>
-            </a:extLst>
-          </p:cNvPr>
-          <p:cNvPicPr>
-            <a:picLocks noChangeAspect="1"/>
-          </p:cNvPicPr>
-          <p:nvPr/>
-        </p:nvPicPr>
-        <p:blipFill>
-          <a:blip r:embed="rId3">
-            <a:extLst>
-              <a:ext uri="{28A0092B-C50C-407E-A947-70E740481C1C}">
-                <a14:useLocalDpi xmlns:a14="http://schemas.microsoft.com/office/drawing/2010/main" val="0"/>
-              </a:ext>
-            </a:extLst>
-          </a:blip>
-          <a:stretch>
-            <a:fillRect/>
-          </a:stretch>
-        </p:blipFill>
-        <p:spPr>
-          <a:xfrm>
-            <a:off x="6344238" y="2022270"/>
-            <a:ext cx="4700374" cy="2091326"/>
-          </a:xfrm>
-          <a:prstGeom prst="rect">
-            <a:avLst/>
-          </a:prstGeom>
-        </p:spPr>
-      </p:pic>
-      <p:sp>
-        <p:nvSpPr>
-          <p:cNvPr id="8" name="TextBox 7">
-            <a:extLst>
-              <a:ext uri="{FF2B5EF4-FFF2-40B4-BE49-F238E27FC236}">
-                <a16:creationId xmlns:a16="http://schemas.microsoft.com/office/drawing/2014/main" id="{21BFC41F-3108-40A3-922E-138C2646CA74}"/>
-              </a:ext>
-            </a:extLst>
-          </p:cNvPr>
-          <p:cNvSpPr txBox="1"/>
-          <p:nvPr/>
-        </p:nvSpPr>
-        <p:spPr>
-          <a:xfrm>
-            <a:off x="6830831" y="4218219"/>
-            <a:ext cx="4213781" cy="369332"/>
-          </a:xfrm>
-          <a:prstGeom prst="rect">
-            <a:avLst/>
-          </a:prstGeom>
-          <a:noFill/>
-        </p:spPr>
-        <p:txBody>
-          <a:bodyPr wrap="square" rtlCol="0">
-            <a:spAutoFit/>
-          </a:bodyPr>
-          <a:lstStyle/>
-          <a:p>
-            <a:r>
-              <a:rPr lang="en-US" altLang="ko-KR" dirty="0"/>
-              <a:t>Gender</a:t>
-            </a:r>
-            <a:r>
-              <a:rPr lang="ko-KR" altLang="en-US" dirty="0"/>
-              <a:t>가 필요한 쿼리 작동 하지 않음</a:t>
-            </a:r>
-          </a:p>
-        </p:txBody>
-      </p:sp>
-    </p:spTree>
-    <p:extLst>
-      <p:ext uri="{BB962C8B-B14F-4D97-AF65-F5344CB8AC3E}">
-        <p14:creationId xmlns:p14="http://schemas.microsoft.com/office/powerpoint/2010/main" val="1557279447"/>
       </p:ext>
     </p:extLst>
   </p:cSld>
@@ -4324,7 +4771,7 @@
         </p:nvSpPr>
         <p:spPr>
           <a:xfrm>
-            <a:off x="367644" y="311085"/>
+            <a:off x="367644" y="311086"/>
             <a:ext cx="5844619" cy="707886"/>
           </a:xfrm>
           <a:prstGeom prst="rect">
@@ -4360,7 +4807,7 @@
                   <a:schemeClr val="accent1"/>
                 </a:solidFill>
               </a:rPr>
-              <a:t>원인 추론</a:t>
+              <a:t>사실 수집</a:t>
             </a:r>
           </a:p>
         </p:txBody>
@@ -4379,8 +4826,8 @@
         </p:nvSpPr>
         <p:spPr>
           <a:xfrm>
-            <a:off x="820131" y="1498862"/>
-            <a:ext cx="11048215" cy="646331"/>
+            <a:off x="820136" y="1225489"/>
+            <a:ext cx="11048215" cy="369460"/>
           </a:xfrm>
           <a:prstGeom prst="rect">
             <a:avLst/>
@@ -4394,83 +4841,34 @@
           <a:lstStyle/>
           <a:p>
             <a:r>
-              <a:rPr lang="en-US" altLang="ko-KR" dirty="0" err="1"/>
-              <a:t>Rec_cust</a:t>
-            </a:r>
-            <a:r>
-              <a:rPr lang="ko-KR" altLang="en-US" dirty="0"/>
+              <a:rPr lang="ko-KR" altLang="en-US" sz="1801" dirty="0"/>
+              <a:t>문제가 발생한 </a:t>
+            </a:r>
+            <a:r>
+              <a:rPr lang="en-US" altLang="ko-KR" sz="1801" dirty="0" err="1"/>
+              <a:t>rec_cust</a:t>
+            </a:r>
+            <a:r>
+              <a:rPr lang="ko-KR" altLang="en-US" sz="1801" dirty="0"/>
               <a:t>의 </a:t>
             </a:r>
             <a:r>
-              <a:rPr lang="en-US" altLang="ko-KR" dirty="0"/>
+              <a:rPr lang="en-US" altLang="ko-KR" sz="1801" dirty="0"/>
               <a:t>gender</a:t>
             </a:r>
             <a:r>
-              <a:rPr lang="ko-KR" altLang="en-US" dirty="0"/>
-              <a:t>위주로 로그를 확인한 결과</a:t>
-            </a:r>
-            <a:r>
-              <a:rPr lang="en-US" altLang="ko-KR" dirty="0"/>
-              <a:t>, </a:t>
-            </a:r>
-            <a:r>
-              <a:rPr lang="ko-KR" altLang="en-US" dirty="0"/>
-              <a:t>해당 부분에서 에러가 발견되었으며</a:t>
-            </a:r>
-            <a:r>
-              <a:rPr lang="en-US" altLang="ko-KR" dirty="0"/>
-              <a:t>, </a:t>
-            </a:r>
-            <a:r>
-              <a:rPr lang="ko-KR" altLang="en-US" dirty="0"/>
-              <a:t>파트너사 </a:t>
-            </a:r>
-            <a:r>
-              <a:rPr lang="en-US" altLang="ko-KR" dirty="0"/>
-              <a:t>XX</a:t>
-            </a:r>
-            <a:r>
-              <a:rPr lang="ko-KR" altLang="en-US" dirty="0"/>
-              <a:t>에서 </a:t>
-            </a:r>
-            <a:r>
-              <a:rPr lang="en-US" altLang="ko-KR" dirty="0"/>
-              <a:t>gender</a:t>
-            </a:r>
-            <a:r>
-              <a:rPr lang="ko-KR" altLang="en-US" dirty="0"/>
-              <a:t> </a:t>
-            </a:r>
-            <a:r>
-              <a:rPr lang="en-US" altLang="ko-KR" dirty="0" err="1"/>
-              <a:t>colum</a:t>
-            </a:r>
-            <a:r>
-              <a:rPr lang="ko-KR" altLang="en-US" dirty="0"/>
-              <a:t>을 </a:t>
-            </a:r>
-            <a:r>
-              <a:rPr lang="en-US" altLang="ko-KR" dirty="0"/>
-              <a:t>drop</a:t>
-            </a:r>
-            <a:r>
-              <a:rPr lang="ko-KR" altLang="en-US" dirty="0"/>
-              <a:t>하였다고 추론하였습니다</a:t>
-            </a:r>
-            <a:r>
-              <a:rPr lang="en-US" altLang="ko-KR" dirty="0"/>
-              <a:t>.</a:t>
-            </a:r>
-            <a:endParaRPr lang="ko-KR" altLang="en-US" dirty="0"/>
-          </a:p>
-        </p:txBody>
-      </p:sp>
-      <p:sp>
-        <p:nvSpPr>
-          <p:cNvPr id="6" name="TextBox 5">
-            <a:extLst>
-              <a:ext uri="{FF2B5EF4-FFF2-40B4-BE49-F238E27FC236}">
-                <a16:creationId xmlns:a16="http://schemas.microsoft.com/office/drawing/2014/main" id="{D4393A67-1908-4977-BC54-4D19B6C3F1BC}"/>
+              <a:rPr lang="ko-KR" altLang="en-US" sz="1801" dirty="0"/>
+              <a:t>위주로 로그 확인</a:t>
+            </a:r>
+          </a:p>
+        </p:txBody>
+      </p:sp>
+      <p:sp>
+        <p:nvSpPr>
+          <p:cNvPr id="14" name="TextBox 13">
+            <a:extLst>
+              <a:ext uri="{FF2B5EF4-FFF2-40B4-BE49-F238E27FC236}">
+                <a16:creationId xmlns:a16="http://schemas.microsoft.com/office/drawing/2014/main" id="{980FF2A1-C865-4A72-9926-FBC79FB953DB}"/>
               </a:ext>
             </a:extLst>
           </p:cNvPr>
@@ -4479,8 +4877,8 @@
         </p:nvSpPr>
         <p:spPr>
           <a:xfrm>
-            <a:off x="367644" y="2625084"/>
-            <a:ext cx="5844619" cy="707886"/>
+            <a:off x="1673770" y="4218224"/>
+            <a:ext cx="3687404" cy="369460"/>
           </a:xfrm>
           <a:prstGeom prst="rect">
             <a:avLst/>
@@ -4494,22 +4892,106 @@
           <a:lstStyle/>
           <a:p>
             <a:r>
-              <a:rPr lang="ko-KR" altLang="en-US" sz="4000" dirty="0">
-                <a:solidFill>
-                  <a:schemeClr val="accent1"/>
-                </a:solidFill>
-              </a:rPr>
-              <a:t>문제 해결</a:t>
-            </a:r>
-          </a:p>
-        </p:txBody>
-      </p:sp>
-      <p:sp>
-        <p:nvSpPr>
-          <p:cNvPr id="7" name="TextBox 6">
-            <a:extLst>
-              <a:ext uri="{FF2B5EF4-FFF2-40B4-BE49-F238E27FC236}">
-                <a16:creationId xmlns:a16="http://schemas.microsoft.com/office/drawing/2014/main" id="{4BB927C3-341A-4752-A9A3-B87155B9BE6C}"/>
+              <a:rPr lang="en-US" altLang="ko-KR" sz="1801" dirty="0" err="1"/>
+              <a:t>Rec_cust</a:t>
+            </a:r>
+            <a:r>
+              <a:rPr lang="en-US" altLang="ko-KR" sz="1801" dirty="0"/>
+              <a:t> </a:t>
+            </a:r>
+            <a:r>
+              <a:rPr lang="ko-KR" altLang="en-US" sz="1801" dirty="0"/>
+              <a:t>내의 </a:t>
+            </a:r>
+            <a:r>
+              <a:rPr lang="en-US" altLang="ko-KR" sz="1801" dirty="0"/>
+              <a:t>gender</a:t>
+            </a:r>
+            <a:r>
+              <a:rPr lang="ko-KR" altLang="en-US" sz="1801" dirty="0"/>
+              <a:t>없습니다</a:t>
+            </a:r>
+          </a:p>
+        </p:txBody>
+      </p:sp>
+      <p:pic>
+        <p:nvPicPr>
+          <p:cNvPr id="10" name="그림 9" descr="텍스트이(가) 표시된 사진&#10;&#10;자동 생성된 설명">
+            <a:extLst>
+              <a:ext uri="{FF2B5EF4-FFF2-40B4-BE49-F238E27FC236}">
+                <a16:creationId xmlns:a16="http://schemas.microsoft.com/office/drawing/2014/main" id="{697E8407-164A-4A0F-B8A1-71CF3D642ACB}"/>
+              </a:ext>
+            </a:extLst>
+          </p:cNvPr>
+          <p:cNvPicPr>
+            <a:picLocks noChangeAspect="1"/>
+          </p:cNvPicPr>
+          <p:nvPr/>
+        </p:nvPicPr>
+        <p:blipFill>
+          <a:blip r:embed="rId2">
+            <a:extLst>
+              <a:ext uri="{28A0092B-C50C-407E-A947-70E740481C1C}">
+                <a14:useLocalDpi xmlns:a14="http://schemas.microsoft.com/office/drawing/2010/main" val="0"/>
+              </a:ext>
+            </a:extLst>
+          </a:blip>
+          <a:stretch>
+            <a:fillRect/>
+          </a:stretch>
+        </p:blipFill>
+        <p:spPr>
+          <a:xfrm>
+            <a:off x="516340" y="2022276"/>
+            <a:ext cx="5547228" cy="2195948"/>
+          </a:xfrm>
+          <a:prstGeom prst="rect">
+            <a:avLst/>
+          </a:prstGeom>
+        </p:spPr>
+      </p:pic>
+      <p:pic>
+        <p:nvPicPr>
+          <p:cNvPr id="3" name="그림 2" descr="텍스트이(가) 표시된 사진&#10;&#10;자동 생성된 설명">
+            <a:extLst>
+              <a:ext uri="{FF2B5EF4-FFF2-40B4-BE49-F238E27FC236}">
+                <a16:creationId xmlns:a16="http://schemas.microsoft.com/office/drawing/2014/main" id="{EE5FC50B-A93A-4B05-B8F1-ABB12C6F59B1}"/>
+              </a:ext>
+            </a:extLst>
+          </p:cNvPr>
+          <p:cNvPicPr>
+            <a:picLocks noChangeAspect="1"/>
+          </p:cNvPicPr>
+          <p:nvPr/>
+        </p:nvPicPr>
+        <p:blipFill>
+          <a:blip r:embed="rId3">
+            <a:extLst>
+              <a:ext uri="{28A0092B-C50C-407E-A947-70E740481C1C}">
+                <a14:useLocalDpi xmlns:a14="http://schemas.microsoft.com/office/drawing/2010/main" val="0"/>
+              </a:ext>
+            </a:extLst>
+          </a:blip>
+          <a:stretch>
+            <a:fillRect/>
+          </a:stretch>
+        </p:blipFill>
+        <p:spPr>
+          <a:xfrm>
+            <a:off x="6344238" y="2022274"/>
+            <a:ext cx="4700373" cy="2091326"/>
+          </a:xfrm>
+          <a:prstGeom prst="rect">
+            <a:avLst/>
+          </a:prstGeom>
+        </p:spPr>
+      </p:pic>
+      <p:sp>
+        <p:nvSpPr>
+          <p:cNvPr id="8" name="TextBox 7">
+            <a:extLst>
+              <a:ext uri="{FF2B5EF4-FFF2-40B4-BE49-F238E27FC236}">
+                <a16:creationId xmlns:a16="http://schemas.microsoft.com/office/drawing/2014/main" id="{21BFC41F-3108-40A3-922E-138C2646CA74}"/>
               </a:ext>
             </a:extLst>
           </p:cNvPr>
@@ -4518,8 +5000,8 @@
         </p:nvSpPr>
         <p:spPr>
           <a:xfrm>
-            <a:off x="820131" y="3630891"/>
-            <a:ext cx="11048215" cy="1200329"/>
+            <a:off x="6518599" y="4213234"/>
+            <a:ext cx="4700373" cy="369460"/>
           </a:xfrm>
           <a:prstGeom prst="rect">
             <a:avLst/>
@@ -4532,84 +5014,21 @@
           </a:bodyPr>
           <a:lstStyle/>
           <a:p>
-            <a:pPr marL="342900" indent="-342900">
-              <a:buAutoNum type="arabicPeriod"/>
-            </a:pPr>
-            <a:r>
-              <a:rPr lang="en-US" altLang="ko-KR" dirty="0" err="1"/>
-              <a:t>rec_cust</a:t>
-            </a:r>
-            <a:r>
-              <a:rPr lang="ko-KR" altLang="en-US" dirty="0"/>
-              <a:t>의 </a:t>
-            </a:r>
-            <a:r>
-              <a:rPr lang="en-US" altLang="ko-KR" dirty="0"/>
-              <a:t>gender</a:t>
-            </a:r>
-            <a:r>
-              <a:rPr lang="ko-KR" altLang="en-US" dirty="0"/>
-              <a:t> </a:t>
-            </a:r>
-            <a:r>
-              <a:rPr lang="en-US" altLang="ko-KR" dirty="0"/>
-              <a:t>column</a:t>
-            </a:r>
-            <a:r>
-              <a:rPr lang="ko-KR" altLang="en-US" dirty="0"/>
-              <a:t>추가 </a:t>
-            </a:r>
-            <a:r>
-              <a:rPr lang="en-US" altLang="ko-KR" dirty="0"/>
-              <a:t>: ALTER TABLE </a:t>
-            </a:r>
-            <a:r>
-              <a:rPr lang="en-US" altLang="ko-KR" dirty="0" err="1"/>
-              <a:t>rec_cust</a:t>
-            </a:r>
-            <a:r>
-              <a:rPr lang="en-US" altLang="ko-KR" dirty="0"/>
-              <a:t> ADD COLUMN gender VARCHAR(1) NOT NULL;</a:t>
-            </a:r>
-          </a:p>
-          <a:p>
-            <a:pPr marL="342900" indent="-342900">
-              <a:buAutoNum type="arabicPeriod"/>
-            </a:pPr>
-            <a:r>
-              <a:rPr lang="ko-KR" altLang="en-US" dirty="0"/>
-              <a:t>모든 </a:t>
-            </a:r>
-            <a:r>
-              <a:rPr lang="en-US" altLang="ko-KR" dirty="0"/>
-              <a:t>gender</a:t>
-            </a:r>
-            <a:r>
-              <a:rPr lang="ko-KR" altLang="en-US" dirty="0"/>
-              <a:t>내용 복구 </a:t>
-            </a:r>
-            <a:r>
-              <a:rPr lang="en-US" altLang="ko-KR" dirty="0"/>
-              <a:t>: </a:t>
-            </a:r>
-            <a:r>
-              <a:rPr lang="ko-KR" altLang="en-US" dirty="0"/>
-              <a:t>예전의 로그 확인 </a:t>
-            </a:r>
-            <a:r>
-              <a:rPr lang="en-US" altLang="ko-KR" dirty="0"/>
-              <a:t>- </a:t>
-            </a:r>
-          </a:p>
-          <a:p>
-            <a:endParaRPr lang="ko-KR" altLang="en-US" dirty="0"/>
+            <a:r>
+              <a:rPr lang="en-US" altLang="ko-KR" sz="1801" dirty="0"/>
+              <a:t>Gender</a:t>
+            </a:r>
+            <a:r>
+              <a:rPr lang="ko-KR" altLang="en-US" sz="1801" dirty="0"/>
+              <a:t>가 필요한 쿼리 작동 하지 않습니다</a:t>
+            </a:r>
           </a:p>
         </p:txBody>
       </p:sp>
     </p:spTree>
     <p:extLst>
       <p:ext uri="{BB962C8B-B14F-4D97-AF65-F5344CB8AC3E}">
-        <p14:creationId xmlns:p14="http://schemas.microsoft.com/office/powerpoint/2010/main" val="1339944740"/>
+        <p14:creationId xmlns:p14="http://schemas.microsoft.com/office/powerpoint/2010/main" val="1557279447"/>
       </p:ext>
     </p:extLst>
   </p:cSld>
@@ -4650,7 +5069,7 @@
         </p:nvSpPr>
         <p:spPr>
           <a:xfrm>
-            <a:off x="367644" y="311085"/>
+            <a:off x="367644" y="311086"/>
             <a:ext cx="5844619" cy="707886"/>
           </a:xfrm>
           <a:prstGeom prst="rect">
@@ -4670,63 +5089,43 @@
                   <a:schemeClr val="accent1"/>
                 </a:solidFill>
               </a:rPr>
-              <a:t>문제 해결</a:t>
-            </a:r>
-          </a:p>
-        </p:txBody>
-      </p:sp>
-      <p:pic>
-        <p:nvPicPr>
-          <p:cNvPr id="3" name="그림 2" descr="테이블이(가) 표시된 사진&#10;&#10;자동 생성된 설명">
-            <a:extLst>
-              <a:ext uri="{FF2B5EF4-FFF2-40B4-BE49-F238E27FC236}">
-                <a16:creationId xmlns:a16="http://schemas.microsoft.com/office/drawing/2014/main" id="{5DBD47B8-AC36-4A28-B9E8-AF0AF7BC56A0}"/>
-              </a:ext>
-            </a:extLst>
-          </p:cNvPr>
-          <p:cNvPicPr>
-            <a:picLocks noChangeAspect="1"/>
-          </p:cNvPicPr>
+              <a:t>원인 분석 </a:t>
+            </a:r>
+            <a:r>
+              <a:rPr lang="en-US" altLang="ko-KR" sz="4000" dirty="0">
+                <a:solidFill>
+                  <a:schemeClr val="accent1"/>
+                </a:solidFill>
+              </a:rPr>
+              <a:t>: </a:t>
+            </a:r>
+            <a:r>
+              <a:rPr lang="ko-KR" altLang="en-US" sz="4000" dirty="0">
+                <a:solidFill>
+                  <a:schemeClr val="accent1"/>
+                </a:solidFill>
+              </a:rPr>
+              <a:t>원인 추론</a:t>
+            </a:r>
+          </a:p>
+        </p:txBody>
+      </p:sp>
+      <p:sp>
+        <p:nvSpPr>
+          <p:cNvPr id="5" name="TextBox 4">
+            <a:extLst>
+              <a:ext uri="{FF2B5EF4-FFF2-40B4-BE49-F238E27FC236}">
+                <a16:creationId xmlns:a16="http://schemas.microsoft.com/office/drawing/2014/main" id="{981AA9AE-7FB2-47F2-9258-E7D8B456F0C3}"/>
+              </a:ext>
+            </a:extLst>
+          </p:cNvPr>
+          <p:cNvSpPr txBox="1"/>
           <p:nvPr/>
-        </p:nvPicPr>
-        <p:blipFill>
-          <a:blip r:embed="rId2">
-            <a:extLst>
-              <a:ext uri="{28A0092B-C50C-407E-A947-70E740481C1C}">
-                <a14:useLocalDpi xmlns:a14="http://schemas.microsoft.com/office/drawing/2010/main" val="0"/>
-              </a:ext>
-            </a:extLst>
-          </a:blip>
-          <a:stretch>
-            <a:fillRect/>
-          </a:stretch>
-        </p:blipFill>
+        </p:nvSpPr>
         <p:spPr>
           <a:xfrm>
-            <a:off x="879001" y="1302872"/>
-            <a:ext cx="6162823" cy="2673817"/>
-          </a:xfrm>
-          <a:prstGeom prst="rect">
-            <a:avLst/>
-          </a:prstGeom>
-        </p:spPr>
-      </p:pic>
-      <p:sp>
-        <p:nvSpPr>
-          <p:cNvPr id="8" name="TextBox 7">
-            <a:extLst>
-              <a:ext uri="{FF2B5EF4-FFF2-40B4-BE49-F238E27FC236}">
-                <a16:creationId xmlns:a16="http://schemas.microsoft.com/office/drawing/2014/main" id="{3FB5AA89-2CB2-4286-9A53-680807803920}"/>
-              </a:ext>
-            </a:extLst>
-          </p:cNvPr>
-          <p:cNvSpPr txBox="1"/>
-          <p:nvPr/>
-        </p:nvSpPr>
-        <p:spPr>
-          <a:xfrm>
-            <a:off x="1673765" y="4218219"/>
-            <a:ext cx="2577724" cy="369332"/>
+            <a:off x="904976" y="1717444"/>
+            <a:ext cx="11048215" cy="646587"/>
           </a:xfrm>
           <a:prstGeom prst="rect">
             <a:avLst/>
@@ -4740,28 +5139,828 @@
           <a:lstStyle/>
           <a:p>
             <a:r>
-              <a:rPr lang="en-US" altLang="ko-KR" dirty="0"/>
-              <a:t>Gender</a:t>
-            </a:r>
-            <a:r>
-              <a:rPr lang="ko-KR" altLang="en-US" dirty="0"/>
+              <a:rPr lang="en-US" altLang="ko-KR" sz="1801" dirty="0" err="1"/>
+              <a:t>Rec_cust</a:t>
+            </a:r>
+            <a:r>
+              <a:rPr lang="ko-KR" altLang="en-US" sz="1801" dirty="0"/>
+              <a:t>의 </a:t>
+            </a:r>
+            <a:r>
+              <a:rPr lang="en-US" altLang="ko-KR" sz="1801" dirty="0"/>
+              <a:t>gender</a:t>
+            </a:r>
+            <a:r>
+              <a:rPr lang="ko-KR" altLang="en-US" sz="1801" dirty="0"/>
+              <a:t>위주로 로그를 확인한 결과</a:t>
+            </a:r>
+            <a:r>
+              <a:rPr lang="en-US" altLang="ko-KR" sz="1801" dirty="0"/>
+              <a:t>, </a:t>
+            </a:r>
+            <a:r>
+              <a:rPr lang="ko-KR" altLang="en-US" sz="1801" dirty="0"/>
+              <a:t>해당 부분에서 에러가 발견되었으며</a:t>
+            </a:r>
+            <a:r>
+              <a:rPr lang="en-US" altLang="ko-KR" sz="1801" dirty="0"/>
+              <a:t>, </a:t>
+            </a:r>
+            <a:r>
+              <a:rPr lang="ko-KR" altLang="en-US" sz="1801" dirty="0"/>
+              <a:t>파트너사 </a:t>
+            </a:r>
+            <a:r>
+              <a:rPr lang="en-US" altLang="ko-KR" sz="1801" dirty="0"/>
+              <a:t>XX</a:t>
+            </a:r>
+            <a:r>
+              <a:rPr lang="ko-KR" altLang="en-US" sz="1801" dirty="0"/>
+              <a:t>에서 </a:t>
+            </a:r>
+            <a:r>
+              <a:rPr lang="en-US" altLang="ko-KR" sz="1801" dirty="0"/>
+              <a:t>gender</a:t>
+            </a:r>
+            <a:r>
+              <a:rPr lang="ko-KR" altLang="en-US" sz="1801" dirty="0"/>
               <a:t> </a:t>
             </a:r>
             <a:r>
-              <a:rPr lang="en-US" altLang="ko-KR" dirty="0"/>
-              <a:t>column</a:t>
-            </a:r>
-            <a:r>
-              <a:rPr lang="ko-KR" altLang="en-US" dirty="0"/>
-              <a:t> 복구</a:t>
-            </a:r>
+              <a:rPr lang="en-US" altLang="ko-KR" sz="1801" dirty="0" err="1"/>
+              <a:t>colum</a:t>
+            </a:r>
+            <a:r>
+              <a:rPr lang="ko-KR" altLang="en-US" sz="1801" dirty="0"/>
+              <a:t>을 </a:t>
+            </a:r>
+            <a:r>
+              <a:rPr lang="en-US" altLang="ko-KR" sz="1801" dirty="0"/>
+              <a:t>drop</a:t>
+            </a:r>
+            <a:r>
+              <a:rPr lang="ko-KR" altLang="en-US" sz="1801" dirty="0"/>
+              <a:t>하였다고 추론하였습니다</a:t>
+            </a:r>
+            <a:r>
+              <a:rPr lang="en-US" altLang="ko-KR" sz="1801" dirty="0"/>
+              <a:t>.</a:t>
+            </a:r>
+            <a:endParaRPr lang="ko-KR" altLang="en-US" sz="1801" dirty="0"/>
+          </a:p>
+        </p:txBody>
+      </p:sp>
+      <p:sp>
+        <p:nvSpPr>
+          <p:cNvPr id="8" name="TextBox 7">
+            <a:extLst>
+              <a:ext uri="{FF2B5EF4-FFF2-40B4-BE49-F238E27FC236}">
+                <a16:creationId xmlns:a16="http://schemas.microsoft.com/office/drawing/2014/main" id="{A77E91E5-4E10-4A20-B91B-29950FEB6EE5}"/>
+              </a:ext>
+            </a:extLst>
+          </p:cNvPr>
+          <p:cNvSpPr txBox="1"/>
+          <p:nvPr/>
+        </p:nvSpPr>
+        <p:spPr>
+          <a:xfrm>
+            <a:off x="367644" y="3150125"/>
+            <a:ext cx="5844619" cy="707886"/>
+          </a:xfrm>
+          <a:prstGeom prst="rect">
+            <a:avLst/>
+          </a:prstGeom>
+          <a:noFill/>
+        </p:spPr>
+        <p:txBody>
+          <a:bodyPr wrap="square" rtlCol="0">
+            <a:spAutoFit/>
+          </a:bodyPr>
+          <a:lstStyle/>
+          <a:p>
+            <a:r>
+              <a:rPr lang="ko-KR" altLang="en-US" sz="4000" dirty="0">
+                <a:solidFill>
+                  <a:schemeClr val="accent1"/>
+                </a:solidFill>
+              </a:rPr>
+              <a:t>해결 방법</a:t>
+            </a:r>
+          </a:p>
+        </p:txBody>
+      </p:sp>
+      <p:sp>
+        <p:nvSpPr>
+          <p:cNvPr id="10" name="TextBox 9">
+            <a:extLst>
+              <a:ext uri="{FF2B5EF4-FFF2-40B4-BE49-F238E27FC236}">
+                <a16:creationId xmlns:a16="http://schemas.microsoft.com/office/drawing/2014/main" id="{89921447-782B-4755-81D7-F569D2E53A5C}"/>
+              </a:ext>
+            </a:extLst>
+          </p:cNvPr>
+          <p:cNvSpPr txBox="1"/>
+          <p:nvPr/>
+        </p:nvSpPr>
+        <p:spPr>
+          <a:xfrm>
+            <a:off x="904976" y="4320811"/>
+            <a:ext cx="11048215" cy="369460"/>
+          </a:xfrm>
+          <a:prstGeom prst="rect">
+            <a:avLst/>
+          </a:prstGeom>
+          <a:noFill/>
+        </p:spPr>
+        <p:txBody>
+          <a:bodyPr wrap="square" rtlCol="0">
+            <a:spAutoFit/>
+          </a:bodyPr>
+          <a:lstStyle/>
+          <a:p>
+            <a:r>
+              <a:rPr lang="en-US" altLang="ko-KR" sz="1801" dirty="0"/>
+              <a:t>RDS AWS backtrack(</a:t>
+            </a:r>
+            <a:r>
+              <a:rPr lang="ko-KR" altLang="en-US" sz="1801" dirty="0" err="1"/>
+              <a:t>역추적</a:t>
+            </a:r>
+            <a:r>
+              <a:rPr lang="en-US" altLang="ko-KR" sz="1801" dirty="0"/>
+              <a:t>)</a:t>
+            </a:r>
+            <a:r>
+              <a:rPr lang="ko-KR" altLang="en-US" sz="1801" dirty="0"/>
+              <a:t>을</a:t>
+            </a:r>
+            <a:r>
+              <a:rPr lang="en-US" altLang="ko-KR" sz="1801" dirty="0"/>
+              <a:t> </a:t>
+            </a:r>
+            <a:r>
+              <a:rPr lang="ko-KR" altLang="en-US" sz="1801" dirty="0"/>
+              <a:t>이용하여 사건이 일어난 시각에 대하여 추적하여 복구합니다</a:t>
+            </a:r>
+            <a:r>
+              <a:rPr lang="en-US" altLang="ko-KR" sz="1801" dirty="0"/>
+              <a:t>.</a:t>
+            </a:r>
+            <a:endParaRPr lang="ko-KR" altLang="en-US" sz="1801" dirty="0"/>
           </a:p>
         </p:txBody>
       </p:sp>
     </p:spTree>
     <p:extLst>
       <p:ext uri="{BB962C8B-B14F-4D97-AF65-F5344CB8AC3E}">
-        <p14:creationId xmlns:p14="http://schemas.microsoft.com/office/powerpoint/2010/main" val="3874160220"/>
+        <p14:creationId xmlns:p14="http://schemas.microsoft.com/office/powerpoint/2010/main" val="1339944740"/>
+      </p:ext>
+    </p:extLst>
+  </p:cSld>
+  <p:clrMapOvr>
+    <a:masterClrMapping/>
+  </p:clrMapOvr>
+</p:sld>
+</file>
+
+<file path=ppt/slides/slide7.xml><?xml version="1.0" encoding="utf-8"?>
+<p:sld xmlns:a="http://schemas.openxmlformats.org/drawingml/2006/main" xmlns:r="http://schemas.openxmlformats.org/officeDocument/2006/relationships" xmlns:p="http://schemas.openxmlformats.org/presentationml/2006/main">
+  <p:cSld>
+    <p:spTree>
+      <p:nvGrpSpPr>
+        <p:cNvPr id="1" name=""/>
+        <p:cNvGrpSpPr/>
+        <p:nvPr/>
+      </p:nvGrpSpPr>
+      <p:grpSpPr>
+        <a:xfrm>
+          <a:off x="0" y="0"/>
+          <a:ext cx="0" cy="0"/>
+          <a:chOff x="0" y="0"/>
+          <a:chExt cx="0" cy="0"/>
+        </a:xfrm>
+      </p:grpSpPr>
+      <p:sp>
+        <p:nvSpPr>
+          <p:cNvPr id="2" name="제목 1">
+            <a:extLst>
+              <a:ext uri="{FF2B5EF4-FFF2-40B4-BE49-F238E27FC236}">
+                <a16:creationId xmlns:a16="http://schemas.microsoft.com/office/drawing/2014/main" id="{2E367DD5-B1B3-4777-B97E-1329CF474FA2}"/>
+              </a:ext>
+            </a:extLst>
+          </p:cNvPr>
+          <p:cNvSpPr>
+            <a:spLocks noGrp="1"/>
+          </p:cNvSpPr>
+          <p:nvPr>
+            <p:ph type="ctrTitle"/>
+          </p:nvPr>
+        </p:nvSpPr>
+        <p:spPr/>
+        <p:txBody>
+          <a:bodyPr/>
+          <a:lstStyle/>
+          <a:p>
+            <a:r>
+              <a:rPr lang="ko-KR" altLang="en-US" dirty="0"/>
+              <a:t>손해배상청구서</a:t>
+            </a:r>
+          </a:p>
+        </p:txBody>
+      </p:sp>
+      <p:sp>
+        <p:nvSpPr>
+          <p:cNvPr id="3" name="부제목 2">
+            <a:extLst>
+              <a:ext uri="{FF2B5EF4-FFF2-40B4-BE49-F238E27FC236}">
+                <a16:creationId xmlns:a16="http://schemas.microsoft.com/office/drawing/2014/main" id="{D01840CB-C1E0-497B-8C5E-983486554C65}"/>
+              </a:ext>
+            </a:extLst>
+          </p:cNvPr>
+          <p:cNvSpPr>
+            <a:spLocks noGrp="1"/>
+          </p:cNvSpPr>
+          <p:nvPr>
+            <p:ph type="subTitle" idx="1"/>
+          </p:nvPr>
+        </p:nvSpPr>
+        <p:spPr/>
+        <p:txBody>
+          <a:bodyPr/>
+          <a:lstStyle/>
+          <a:p>
+            <a:r>
+              <a:rPr lang="ko-KR" altLang="en-US" dirty="0"/>
+              <a:t>메일 증빙</a:t>
+            </a:r>
+          </a:p>
+        </p:txBody>
+      </p:sp>
+    </p:spTree>
+    <p:extLst>
+      <p:ext uri="{BB962C8B-B14F-4D97-AF65-F5344CB8AC3E}">
+        <p14:creationId xmlns:p14="http://schemas.microsoft.com/office/powerpoint/2010/main" val="1269620466"/>
+      </p:ext>
+    </p:extLst>
+  </p:cSld>
+  <p:clrMapOvr>
+    <a:masterClrMapping/>
+  </p:clrMapOvr>
+</p:sld>
+</file>
+
+<file path=ppt/slides/slide8.xml><?xml version="1.0" encoding="utf-8"?>
+<p:sld xmlns:a="http://schemas.openxmlformats.org/drawingml/2006/main" xmlns:r="http://schemas.openxmlformats.org/officeDocument/2006/relationships" xmlns:p="http://schemas.openxmlformats.org/presentationml/2006/main">
+  <p:cSld>
+    <p:spTree>
+      <p:nvGrpSpPr>
+        <p:cNvPr id="1" name=""/>
+        <p:cNvGrpSpPr/>
+        <p:nvPr/>
+      </p:nvGrpSpPr>
+      <p:grpSpPr>
+        <a:xfrm>
+          <a:off x="0" y="0"/>
+          <a:ext cx="0" cy="0"/>
+          <a:chOff x="0" y="0"/>
+          <a:chExt cx="0" cy="0"/>
+        </a:xfrm>
+      </p:grpSpPr>
+      <p:sp>
+        <p:nvSpPr>
+          <p:cNvPr id="2" name="제목 1">
+            <a:extLst>
+              <a:ext uri="{FF2B5EF4-FFF2-40B4-BE49-F238E27FC236}">
+                <a16:creationId xmlns:a16="http://schemas.microsoft.com/office/drawing/2014/main" id="{B193A155-9961-487E-8221-5B95A30E240D}"/>
+              </a:ext>
+            </a:extLst>
+          </p:cNvPr>
+          <p:cNvSpPr>
+            <a:spLocks noGrp="1"/>
+          </p:cNvSpPr>
+          <p:nvPr>
+            <p:ph type="title"/>
+          </p:nvPr>
+        </p:nvSpPr>
+        <p:spPr>
+          <a:xfrm>
+            <a:off x="838202" y="299137"/>
+            <a:ext cx="10515600" cy="1325563"/>
+          </a:xfrm>
+        </p:spPr>
+        <p:txBody>
+          <a:bodyPr/>
+          <a:lstStyle/>
+          <a:p>
+            <a:pPr algn="ctr"/>
+            <a:r>
+              <a:rPr lang="ko-KR" altLang="en-US" dirty="0"/>
+              <a:t>손해배상 청구서</a:t>
+            </a:r>
+          </a:p>
+        </p:txBody>
+      </p:sp>
+      <p:sp>
+        <p:nvSpPr>
+          <p:cNvPr id="4" name="TextBox 3">
+            <a:extLst>
+              <a:ext uri="{FF2B5EF4-FFF2-40B4-BE49-F238E27FC236}">
+                <a16:creationId xmlns:a16="http://schemas.microsoft.com/office/drawing/2014/main" id="{56F3C7E0-62E1-4367-8CE0-D8DD6CA2F1FD}"/>
+              </a:ext>
+            </a:extLst>
+          </p:cNvPr>
+          <p:cNvSpPr txBox="1"/>
+          <p:nvPr/>
+        </p:nvSpPr>
+        <p:spPr>
+          <a:xfrm>
+            <a:off x="9181707" y="1440034"/>
+            <a:ext cx="2300140" cy="369332"/>
+          </a:xfrm>
+          <a:prstGeom prst="rect">
+            <a:avLst/>
+          </a:prstGeom>
+          <a:noFill/>
+        </p:spPr>
+        <p:txBody>
+          <a:bodyPr wrap="square" rtlCol="0">
+            <a:spAutoFit/>
+          </a:bodyPr>
+          <a:lstStyle/>
+          <a:p>
+            <a:pPr algn="r"/>
+            <a:r>
+              <a:rPr lang="en-US" altLang="ko-KR" dirty="0"/>
+              <a:t>20</a:t>
+            </a:r>
+            <a:r>
+              <a:rPr lang="ko-KR" altLang="en-US" dirty="0"/>
+              <a:t>년 </a:t>
+            </a:r>
+            <a:r>
+              <a:rPr lang="en-US" altLang="ko-KR" dirty="0"/>
+              <a:t>11</a:t>
+            </a:r>
+            <a:r>
+              <a:rPr lang="ko-KR" altLang="en-US" dirty="0"/>
+              <a:t>월 </a:t>
+            </a:r>
+            <a:r>
+              <a:rPr lang="en-US" altLang="ko-KR" dirty="0"/>
+              <a:t>14</a:t>
+            </a:r>
+            <a:r>
+              <a:rPr lang="ko-KR" altLang="en-US" dirty="0"/>
+              <a:t>일</a:t>
+            </a:r>
+          </a:p>
+        </p:txBody>
+      </p:sp>
+      <p:sp>
+        <p:nvSpPr>
+          <p:cNvPr id="5" name="TextBox 4">
+            <a:extLst>
+              <a:ext uri="{FF2B5EF4-FFF2-40B4-BE49-F238E27FC236}">
+                <a16:creationId xmlns:a16="http://schemas.microsoft.com/office/drawing/2014/main" id="{D66EAA60-780D-4E86-96EB-2D15D606143C}"/>
+              </a:ext>
+            </a:extLst>
+          </p:cNvPr>
+          <p:cNvSpPr txBox="1"/>
+          <p:nvPr/>
+        </p:nvSpPr>
+        <p:spPr>
+          <a:xfrm>
+            <a:off x="1055802" y="2765597"/>
+            <a:ext cx="10426045" cy="2308324"/>
+          </a:xfrm>
+          <a:prstGeom prst="rect">
+            <a:avLst/>
+          </a:prstGeom>
+          <a:noFill/>
+        </p:spPr>
+        <p:txBody>
+          <a:bodyPr wrap="square" rtlCol="0">
+            <a:spAutoFit/>
+          </a:bodyPr>
+          <a:lstStyle/>
+          <a:p>
+            <a:r>
+              <a:rPr lang="en-US" altLang="ko-KR" dirty="0"/>
+              <a:t>	</a:t>
+            </a:r>
+            <a:r>
+              <a:rPr lang="ko-KR" altLang="en-US" dirty="0"/>
+              <a:t>귀사의 무궁한 발전을 기원합니다</a:t>
+            </a:r>
+            <a:r>
+              <a:rPr lang="en-US" altLang="ko-KR" dirty="0"/>
+              <a:t>.</a:t>
+            </a:r>
+          </a:p>
+          <a:p>
+            <a:r>
+              <a:rPr lang="en-US" altLang="ko-KR" dirty="0"/>
+              <a:t>	</a:t>
+            </a:r>
+            <a:r>
+              <a:rPr lang="ko-KR" altLang="en-US" dirty="0"/>
+              <a:t>전할 말씀은 다름이 아니라</a:t>
+            </a:r>
+            <a:r>
+              <a:rPr lang="en-US" altLang="ko-KR" dirty="0"/>
+              <a:t>, </a:t>
+            </a:r>
+            <a:r>
+              <a:rPr lang="ko-KR" altLang="en-US" dirty="0"/>
+              <a:t>귀사에서 지난 </a:t>
+            </a:r>
+            <a:r>
+              <a:rPr lang="en-US" altLang="ko-KR" dirty="0"/>
+              <a:t>11</a:t>
+            </a:r>
+            <a:r>
+              <a:rPr lang="ko-KR" altLang="en-US" dirty="0"/>
+              <a:t>월 </a:t>
+            </a:r>
+            <a:r>
+              <a:rPr lang="en-US" altLang="ko-KR" dirty="0"/>
+              <a:t>10</a:t>
+            </a:r>
+            <a:r>
+              <a:rPr lang="ko-KR" altLang="en-US" dirty="0"/>
+              <a:t>일</a:t>
+            </a:r>
+            <a:r>
+              <a:rPr lang="en-US" altLang="ko-KR" dirty="0"/>
+              <a:t>, </a:t>
+            </a:r>
+            <a:r>
+              <a:rPr lang="ko-KR" altLang="en-US" dirty="0"/>
+              <a:t>고객정보테이블을 임의로 변경함으로 인한 시스템 장애로 발생한 손해에 대해 손해배상 청구합니다</a:t>
+            </a:r>
+            <a:r>
+              <a:rPr lang="en-US" altLang="ko-KR" dirty="0"/>
+              <a:t>.</a:t>
+            </a:r>
+          </a:p>
+          <a:p>
+            <a:r>
+              <a:rPr lang="en-US" altLang="ko-KR" dirty="0"/>
+              <a:t>	</a:t>
+            </a:r>
+            <a:r>
+              <a:rPr lang="ko-KR" altLang="en-US" dirty="0"/>
+              <a:t>당일 귀사의 스키마 임의 변경에 따른 시스템 장애가 발견되었고</a:t>
+            </a:r>
+            <a:r>
+              <a:rPr lang="en-US" altLang="ko-KR" dirty="0"/>
+              <a:t>, </a:t>
+            </a:r>
+            <a:r>
+              <a:rPr lang="ko-KR" altLang="en-US" dirty="0"/>
+              <a:t>여러 건의 삽입이 되지 않는 장애가 발생하였습니다</a:t>
+            </a:r>
+            <a:r>
+              <a:rPr lang="en-US" altLang="ko-KR" dirty="0"/>
+              <a:t>. </a:t>
+            </a:r>
+            <a:r>
+              <a:rPr lang="ko-KR" altLang="en-US" dirty="0"/>
+              <a:t>시스템 복구를 위한 </a:t>
+            </a:r>
+            <a:r>
+              <a:rPr lang="ko-KR" altLang="en-US" dirty="0" err="1"/>
+              <a:t>역추적</a:t>
+            </a:r>
+            <a:r>
+              <a:rPr lang="en-US" altLang="ko-KR" dirty="0"/>
+              <a:t>(backtrack)</a:t>
+            </a:r>
+            <a:r>
+              <a:rPr lang="ko-KR" altLang="en-US" dirty="0"/>
+              <a:t> 결과 스키마 임의 변경 시간은 대략 </a:t>
+            </a:r>
+            <a:r>
+              <a:rPr lang="en-US" altLang="ko-KR" dirty="0"/>
+              <a:t>11</a:t>
+            </a:r>
+            <a:r>
+              <a:rPr lang="ko-KR" altLang="en-US" dirty="0"/>
+              <a:t>월 </a:t>
+            </a:r>
+            <a:r>
+              <a:rPr lang="en-US" altLang="ko-KR" dirty="0"/>
+              <a:t>10</a:t>
+            </a:r>
+            <a:r>
+              <a:rPr lang="ko-KR" altLang="en-US" dirty="0"/>
+              <a:t>일 오후 </a:t>
+            </a:r>
+            <a:r>
+              <a:rPr lang="en-US" altLang="ko-KR" dirty="0"/>
+              <a:t>8~9</a:t>
+            </a:r>
+            <a:r>
+              <a:rPr lang="ko-KR" altLang="en-US" dirty="0"/>
+              <a:t>시정도로 파악이 되었으며</a:t>
+            </a:r>
+            <a:r>
+              <a:rPr lang="en-US" altLang="ko-KR" dirty="0"/>
+              <a:t>, </a:t>
+            </a:r>
+            <a:r>
+              <a:rPr lang="ko-KR" altLang="en-US" dirty="0"/>
+              <a:t>해당 증빙 자료는 장애 자료와 함께 별도 첨부하였습니다</a:t>
+            </a:r>
+            <a:r>
+              <a:rPr lang="en-US" altLang="ko-KR" dirty="0"/>
+              <a:t>. </a:t>
+            </a:r>
+            <a:r>
+              <a:rPr lang="ko-KR" altLang="en-US" dirty="0"/>
+              <a:t>장애가 발생했던 시점에 대해 파악이 어려워 역추적에 많은 시간과 비용이 들었습니다</a:t>
+            </a:r>
+            <a:r>
+              <a:rPr lang="en-US" altLang="ko-KR" dirty="0"/>
+              <a:t>. </a:t>
+            </a:r>
+          </a:p>
+          <a:p>
+            <a:r>
+              <a:rPr lang="en-US" altLang="ko-KR" dirty="0"/>
+              <a:t>	</a:t>
+            </a:r>
+            <a:r>
+              <a:rPr lang="ko-KR" altLang="en-US" dirty="0"/>
+              <a:t>따라서 아래와 같이 손해배상을 </a:t>
+            </a:r>
+            <a:r>
+              <a:rPr lang="ko-KR" altLang="en-US" dirty="0" err="1"/>
+              <a:t>청구하오니</a:t>
+            </a:r>
+            <a:r>
+              <a:rPr lang="ko-KR" altLang="en-US" dirty="0"/>
+              <a:t> 조속히 송금해 주실 것을 부탁드리는 바입니다</a:t>
+            </a:r>
+            <a:r>
+              <a:rPr lang="en-US" altLang="ko-KR" dirty="0"/>
+              <a:t>.</a:t>
+            </a:r>
+            <a:endParaRPr lang="ko-KR" altLang="en-US" dirty="0"/>
+          </a:p>
+        </p:txBody>
+      </p:sp>
+      <p:sp>
+        <p:nvSpPr>
+          <p:cNvPr id="6" name="TextBox 5">
+            <a:extLst>
+              <a:ext uri="{FF2B5EF4-FFF2-40B4-BE49-F238E27FC236}">
+                <a16:creationId xmlns:a16="http://schemas.microsoft.com/office/drawing/2014/main" id="{2A35C929-24CE-44DC-92B1-17D5E2EB9149}"/>
+              </a:ext>
+            </a:extLst>
+          </p:cNvPr>
+          <p:cNvSpPr txBox="1"/>
+          <p:nvPr/>
+        </p:nvSpPr>
+        <p:spPr>
+          <a:xfrm>
+            <a:off x="1055802" y="1809366"/>
+            <a:ext cx="2656788" cy="646331"/>
+          </a:xfrm>
+          <a:prstGeom prst="rect">
+            <a:avLst/>
+          </a:prstGeom>
+          <a:noFill/>
+        </p:spPr>
+        <p:txBody>
+          <a:bodyPr wrap="square" rtlCol="0">
+            <a:spAutoFit/>
+          </a:bodyPr>
+          <a:lstStyle/>
+          <a:p>
+            <a:r>
+              <a:rPr lang="ko-KR" altLang="en-US" dirty="0"/>
+              <a:t>수신 </a:t>
+            </a:r>
+            <a:r>
+              <a:rPr lang="en-US" altLang="ko-KR" dirty="0"/>
+              <a:t>: </a:t>
+            </a:r>
+            <a:r>
+              <a:rPr lang="ko-KR" altLang="en-US" dirty="0" err="1"/>
+              <a:t>ㅇㅇ주식회사</a:t>
+            </a:r>
+            <a:endParaRPr lang="en-US" altLang="ko-KR" dirty="0"/>
+          </a:p>
+          <a:p>
+            <a:r>
+              <a:rPr lang="ko-KR" altLang="en-US" dirty="0"/>
+              <a:t>발신 </a:t>
+            </a:r>
+            <a:r>
+              <a:rPr lang="en-US" altLang="ko-KR" dirty="0"/>
+              <a:t>:  x </a:t>
+            </a:r>
+            <a:r>
+              <a:rPr lang="en-US" altLang="ko-KR" dirty="0" err="1"/>
+              <a:t>x</a:t>
+            </a:r>
+            <a:r>
+              <a:rPr lang="en-US" altLang="ko-KR" dirty="0"/>
+              <a:t> </a:t>
+            </a:r>
+            <a:r>
+              <a:rPr lang="ko-KR" altLang="en-US" dirty="0"/>
+              <a:t>주식회사</a:t>
+            </a:r>
+          </a:p>
+        </p:txBody>
+      </p:sp>
+      <p:sp>
+        <p:nvSpPr>
+          <p:cNvPr id="7" name="TextBox 6">
+            <a:extLst>
+              <a:ext uri="{FF2B5EF4-FFF2-40B4-BE49-F238E27FC236}">
+                <a16:creationId xmlns:a16="http://schemas.microsoft.com/office/drawing/2014/main" id="{98A0FB82-43B0-4157-BE45-5528B1DFE50B}"/>
+              </a:ext>
+            </a:extLst>
+          </p:cNvPr>
+          <p:cNvSpPr txBox="1"/>
+          <p:nvPr/>
+        </p:nvSpPr>
+        <p:spPr>
+          <a:xfrm>
+            <a:off x="1055801" y="5383821"/>
+            <a:ext cx="10426045" cy="1200329"/>
+          </a:xfrm>
+          <a:prstGeom prst="rect">
+            <a:avLst/>
+          </a:prstGeom>
+          <a:noFill/>
+        </p:spPr>
+        <p:txBody>
+          <a:bodyPr wrap="square" rtlCol="0">
+            <a:spAutoFit/>
+          </a:bodyPr>
+          <a:lstStyle/>
+          <a:p>
+            <a:pPr algn="ctr"/>
+            <a:r>
+              <a:rPr lang="en-US" altLang="ko-KR" dirty="0"/>
+              <a:t>-</a:t>
+            </a:r>
+            <a:r>
+              <a:rPr lang="ko-KR" altLang="en-US" dirty="0"/>
+              <a:t>아래</a:t>
+            </a:r>
+            <a:r>
+              <a:rPr lang="en-US" altLang="ko-KR" dirty="0"/>
+              <a:t>-</a:t>
+            </a:r>
+          </a:p>
+          <a:p>
+            <a:pPr marL="342900" indent="-342900">
+              <a:buAutoNum type="arabicPeriod"/>
+            </a:pPr>
+            <a:r>
+              <a:rPr lang="ko-KR" altLang="en-US" dirty="0"/>
+              <a:t>손해배상금 산출액 </a:t>
+            </a:r>
+            <a:r>
+              <a:rPr lang="en-US" altLang="ko-KR" dirty="0"/>
+              <a:t>: </a:t>
+            </a:r>
+            <a:r>
+              <a:rPr lang="ko-KR" altLang="en-US" dirty="0" err="1"/>
+              <a:t>ㅇㅇ원</a:t>
+            </a:r>
+            <a:endParaRPr lang="en-US" altLang="ko-KR" dirty="0"/>
+          </a:p>
+          <a:p>
+            <a:pPr marL="342900" indent="-342900">
+              <a:buAutoNum type="arabicPeriod"/>
+            </a:pPr>
+            <a:r>
+              <a:rPr lang="ko-KR" altLang="en-US" dirty="0"/>
+              <a:t>별</a:t>
+            </a:r>
+            <a:r>
+              <a:rPr lang="en-US" altLang="ko-KR" dirty="0"/>
+              <a:t>	</a:t>
+            </a:r>
+            <a:r>
+              <a:rPr lang="ko-KR" altLang="en-US" dirty="0"/>
+              <a:t>첨 </a:t>
+            </a:r>
+            <a:r>
+              <a:rPr lang="en-US" altLang="ko-KR" dirty="0"/>
+              <a:t>: </a:t>
+            </a:r>
+            <a:r>
+              <a:rPr lang="ko-KR" altLang="en-US" dirty="0"/>
+              <a:t>장애자료 및 스키마 임의 변경 시간에 대한 자료</a:t>
+            </a:r>
+            <a:endParaRPr lang="en-US" altLang="ko-KR" dirty="0"/>
+          </a:p>
+          <a:p>
+            <a:pPr algn="ctr"/>
+            <a:endParaRPr lang="en-US" altLang="ko-KR" dirty="0"/>
+          </a:p>
+        </p:txBody>
+      </p:sp>
+    </p:spTree>
+    <p:extLst>
+      <p:ext uri="{BB962C8B-B14F-4D97-AF65-F5344CB8AC3E}">
+        <p14:creationId xmlns:p14="http://schemas.microsoft.com/office/powerpoint/2010/main" val="3693765868"/>
+      </p:ext>
+    </p:extLst>
+  </p:cSld>
+  <p:clrMapOvr>
+    <a:masterClrMapping/>
+  </p:clrMapOvr>
+</p:sld>
+</file>
+
+<file path=ppt/slides/slide9.xml><?xml version="1.0" encoding="utf-8"?>
+<p:sld xmlns:a="http://schemas.openxmlformats.org/drawingml/2006/main" xmlns:r="http://schemas.openxmlformats.org/officeDocument/2006/relationships" xmlns:p="http://schemas.openxmlformats.org/presentationml/2006/main">
+  <p:cSld>
+    <p:spTree>
+      <p:nvGrpSpPr>
+        <p:cNvPr id="1" name=""/>
+        <p:cNvGrpSpPr/>
+        <p:nvPr/>
+      </p:nvGrpSpPr>
+      <p:grpSpPr>
+        <a:xfrm>
+          <a:off x="0" y="0"/>
+          <a:ext cx="0" cy="0"/>
+          <a:chOff x="0" y="0"/>
+          <a:chExt cx="0" cy="0"/>
+        </a:xfrm>
+      </p:grpSpPr>
+      <p:sp>
+        <p:nvSpPr>
+          <p:cNvPr id="2" name="제목 1">
+            <a:extLst>
+              <a:ext uri="{FF2B5EF4-FFF2-40B4-BE49-F238E27FC236}">
+                <a16:creationId xmlns:a16="http://schemas.microsoft.com/office/drawing/2014/main" id="{2E367DD5-B1B3-4777-B97E-1329CF474FA2}"/>
+              </a:ext>
+            </a:extLst>
+          </p:cNvPr>
+          <p:cNvSpPr>
+            <a:spLocks noGrp="1"/>
+          </p:cNvSpPr>
+          <p:nvPr>
+            <p:ph type="ctrTitle"/>
+          </p:nvPr>
+        </p:nvSpPr>
+        <p:spPr/>
+        <p:txBody>
+          <a:bodyPr/>
+          <a:lstStyle/>
+          <a:p>
+            <a:r>
+              <a:rPr lang="ko-KR" altLang="en-US" dirty="0"/>
+              <a:t>별도 첨부</a:t>
+            </a:r>
+          </a:p>
+        </p:txBody>
+      </p:sp>
+      <p:sp>
+        <p:nvSpPr>
+          <p:cNvPr id="3" name="부제목 2">
+            <a:extLst>
+              <a:ext uri="{FF2B5EF4-FFF2-40B4-BE49-F238E27FC236}">
+                <a16:creationId xmlns:a16="http://schemas.microsoft.com/office/drawing/2014/main" id="{D01840CB-C1E0-497B-8C5E-983486554C65}"/>
+              </a:ext>
+            </a:extLst>
+          </p:cNvPr>
+          <p:cNvSpPr>
+            <a:spLocks noGrp="1"/>
+          </p:cNvSpPr>
+          <p:nvPr>
+            <p:ph type="subTitle" idx="1"/>
+          </p:nvPr>
+        </p:nvSpPr>
+        <p:spPr/>
+        <p:txBody>
+          <a:bodyPr/>
+          <a:lstStyle/>
+          <a:p>
+            <a:r>
+              <a:rPr lang="ko-KR" altLang="en-US" dirty="0"/>
+              <a:t>장애자료 및 스키마 임의 변경 시간에 대한 자료</a:t>
+            </a:r>
+            <a:endParaRPr lang="en-US" altLang="ko-KR" dirty="0"/>
+          </a:p>
+          <a:p>
+            <a:endParaRPr lang="ko-KR" altLang="en-US" dirty="0"/>
+          </a:p>
+        </p:txBody>
+      </p:sp>
+    </p:spTree>
+    <p:extLst>
+      <p:ext uri="{BB962C8B-B14F-4D97-AF65-F5344CB8AC3E}">
+        <p14:creationId xmlns:p14="http://schemas.microsoft.com/office/powerpoint/2010/main" val="1626780231"/>
       </p:ext>
     </p:extLst>
   </p:cSld>

--- a/과제4/과제 4.pptx
+++ b/과제4/과제 4.pptx
@@ -270,7 +270,7 @@
           <a:p>
             <a:fld id="{28D8A1B6-0DDC-46BC-AFC7-95A68A0DFAB7}" type="datetimeFigureOut">
               <a:rPr lang="ko-KR" altLang="en-US" smtClean="0"/>
-              <a:t>2020-11-13</a:t>
+              <a:t>2020-11-14</a:t>
             </a:fld>
             <a:endParaRPr lang="ko-KR" altLang="en-US"/>
           </a:p>
@@ -468,7 +468,7 @@
           <a:p>
             <a:fld id="{28D8A1B6-0DDC-46BC-AFC7-95A68A0DFAB7}" type="datetimeFigureOut">
               <a:rPr lang="ko-KR" altLang="en-US" smtClean="0"/>
-              <a:t>2020-11-13</a:t>
+              <a:t>2020-11-14</a:t>
             </a:fld>
             <a:endParaRPr lang="ko-KR" altLang="en-US"/>
           </a:p>
@@ -676,7 +676,7 @@
           <a:p>
             <a:fld id="{28D8A1B6-0DDC-46BC-AFC7-95A68A0DFAB7}" type="datetimeFigureOut">
               <a:rPr lang="ko-KR" altLang="en-US" smtClean="0"/>
-              <a:t>2020-11-13</a:t>
+              <a:t>2020-11-14</a:t>
             </a:fld>
             <a:endParaRPr lang="ko-KR" altLang="en-US"/>
           </a:p>
@@ -874,7 +874,7 @@
           <a:p>
             <a:fld id="{28D8A1B6-0DDC-46BC-AFC7-95A68A0DFAB7}" type="datetimeFigureOut">
               <a:rPr lang="ko-KR" altLang="en-US" smtClean="0"/>
-              <a:t>2020-11-13</a:t>
+              <a:t>2020-11-14</a:t>
             </a:fld>
             <a:endParaRPr lang="ko-KR" altLang="en-US"/>
           </a:p>
@@ -1149,7 +1149,7 @@
           <a:p>
             <a:fld id="{28D8A1B6-0DDC-46BC-AFC7-95A68A0DFAB7}" type="datetimeFigureOut">
               <a:rPr lang="ko-KR" altLang="en-US" smtClean="0"/>
-              <a:t>2020-11-13</a:t>
+              <a:t>2020-11-14</a:t>
             </a:fld>
             <a:endParaRPr lang="ko-KR" altLang="en-US"/>
           </a:p>
@@ -1414,7 +1414,7 @@
           <a:p>
             <a:fld id="{28D8A1B6-0DDC-46BC-AFC7-95A68A0DFAB7}" type="datetimeFigureOut">
               <a:rPr lang="ko-KR" altLang="en-US" smtClean="0"/>
-              <a:t>2020-11-13</a:t>
+              <a:t>2020-11-14</a:t>
             </a:fld>
             <a:endParaRPr lang="ko-KR" altLang="en-US"/>
           </a:p>
@@ -1826,7 +1826,7 @@
           <a:p>
             <a:fld id="{28D8A1B6-0DDC-46BC-AFC7-95A68A0DFAB7}" type="datetimeFigureOut">
               <a:rPr lang="ko-KR" altLang="en-US" smtClean="0"/>
-              <a:t>2020-11-13</a:t>
+              <a:t>2020-11-14</a:t>
             </a:fld>
             <a:endParaRPr lang="ko-KR" altLang="en-US"/>
           </a:p>
@@ -1967,7 +1967,7 @@
           <a:p>
             <a:fld id="{28D8A1B6-0DDC-46BC-AFC7-95A68A0DFAB7}" type="datetimeFigureOut">
               <a:rPr lang="ko-KR" altLang="en-US" smtClean="0"/>
-              <a:t>2020-11-13</a:t>
+              <a:t>2020-11-14</a:t>
             </a:fld>
             <a:endParaRPr lang="ko-KR" altLang="en-US"/>
           </a:p>
@@ -2080,7 +2080,7 @@
           <a:p>
             <a:fld id="{28D8A1B6-0DDC-46BC-AFC7-95A68A0DFAB7}" type="datetimeFigureOut">
               <a:rPr lang="ko-KR" altLang="en-US" smtClean="0"/>
-              <a:t>2020-11-13</a:t>
+              <a:t>2020-11-14</a:t>
             </a:fld>
             <a:endParaRPr lang="ko-KR" altLang="en-US"/>
           </a:p>
@@ -2391,7 +2391,7 @@
           <a:p>
             <a:fld id="{28D8A1B6-0DDC-46BC-AFC7-95A68A0DFAB7}" type="datetimeFigureOut">
               <a:rPr lang="ko-KR" altLang="en-US" smtClean="0"/>
-              <a:t>2020-11-13</a:t>
+              <a:t>2020-11-14</a:t>
             </a:fld>
             <a:endParaRPr lang="ko-KR" altLang="en-US"/>
           </a:p>
@@ -2679,7 +2679,7 @@
           <a:p>
             <a:fld id="{28D8A1B6-0DDC-46BC-AFC7-95A68A0DFAB7}" type="datetimeFigureOut">
               <a:rPr lang="ko-KR" altLang="en-US" smtClean="0"/>
-              <a:t>2020-11-13</a:t>
+              <a:t>2020-11-14</a:t>
             </a:fld>
             <a:endParaRPr lang="ko-KR" altLang="en-US"/>
           </a:p>
@@ -2920,7 +2920,7 @@
           <a:p>
             <a:fld id="{28D8A1B6-0DDC-46BC-AFC7-95A68A0DFAB7}" type="datetimeFigureOut">
               <a:rPr lang="ko-KR" altLang="en-US" smtClean="0"/>
-              <a:t>2020-11-13</a:t>
+              <a:t>2020-11-14</a:t>
             </a:fld>
             <a:endParaRPr lang="ko-KR" altLang="en-US"/>
           </a:p>
@@ -3811,6 +3811,54 @@
           </a:prstGeom>
         </p:spPr>
       </p:pic>
+      <p:sp>
+        <p:nvSpPr>
+          <p:cNvPr id="2" name="TextBox 1">
+            <a:extLst>
+              <a:ext uri="{FF2B5EF4-FFF2-40B4-BE49-F238E27FC236}">
+                <a16:creationId xmlns:a16="http://schemas.microsoft.com/office/drawing/2014/main" id="{78E9177E-DD39-46AC-8176-D6BC57B93794}"/>
+              </a:ext>
+            </a:extLst>
+          </p:cNvPr>
+          <p:cNvSpPr txBox="1"/>
+          <p:nvPr/>
+        </p:nvSpPr>
+        <p:spPr>
+          <a:xfrm>
+            <a:off x="5949099" y="6042582"/>
+            <a:ext cx="6372519" cy="369332"/>
+          </a:xfrm>
+          <a:prstGeom prst="rect">
+            <a:avLst/>
+          </a:prstGeom>
+          <a:noFill/>
+        </p:spPr>
+        <p:txBody>
+          <a:bodyPr wrap="square" rtlCol="0">
+            <a:spAutoFit/>
+          </a:bodyPr>
+          <a:lstStyle/>
+          <a:p>
+            <a:r>
+              <a:rPr lang="ko-KR" altLang="en-US"/>
+              <a:t>추적 당시의 </a:t>
+            </a:r>
+            <a:r>
+              <a:rPr lang="en-US" altLang="ko-KR" dirty="0"/>
+              <a:t>bin log</a:t>
+            </a:r>
+            <a:r>
+              <a:rPr lang="ko-KR" altLang="en-US" dirty="0"/>
+              <a:t>가 없어서 시간을 유추하며 </a:t>
+            </a:r>
+            <a:r>
+              <a:rPr lang="en-US" altLang="ko-KR" dirty="0"/>
+              <a:t>backtrack</a:t>
+            </a:r>
+            <a:endParaRPr lang="ko-KR" altLang="en-US" dirty="0"/>
+          </a:p>
+        </p:txBody>
+      </p:sp>
     </p:spTree>
     <p:extLst>
       <p:ext uri="{BB962C8B-B14F-4D97-AF65-F5344CB8AC3E}">
@@ -5152,7 +5200,7 @@
             </a:r>
             <a:r>
               <a:rPr lang="ko-KR" altLang="en-US" sz="1801" dirty="0"/>
-              <a:t>위주로 로그를 확인한 결과</a:t>
+              <a:t>위주로 메세지를 확인한 결과</a:t>
             </a:r>
             <a:r>
               <a:rPr lang="en-US" altLang="ko-KR" sz="1801" dirty="0"/>
@@ -5187,8 +5235,8 @@
               <a:t> </a:t>
             </a:r>
             <a:r>
-              <a:rPr lang="en-US" altLang="ko-KR" sz="1801" dirty="0" err="1"/>
-              <a:t>colum</a:t>
+              <a:rPr lang="en-US" altLang="ko-KR" sz="1801" dirty="0"/>
+              <a:t>column</a:t>
             </a:r>
             <a:r>
               <a:rPr lang="ko-KR" altLang="en-US" sz="1801" dirty="0"/>
@@ -5279,7 +5327,15 @@
           <a:p>
             <a:r>
               <a:rPr lang="en-US" altLang="ko-KR" sz="1801" dirty="0"/>
-              <a:t>RDS AWS backtrack(</a:t>
+              <a:t>AWS RDS</a:t>
+            </a:r>
+            <a:r>
+              <a:rPr lang="ko-KR" altLang="en-US" sz="1801" dirty="0"/>
+              <a:t> </a:t>
+            </a:r>
+            <a:r>
+              <a:rPr lang="en-US" altLang="ko-KR" sz="1801" dirty="0"/>
+              <a:t>backtrack(</a:t>
             </a:r>
             <a:r>
               <a:rPr lang="ko-KR" altLang="en-US" sz="1801" dirty="0" err="1"/>
